--- a/files/2. HTML.pptx
+++ b/files/2. HTML.pptx
@@ -5,20 +5,21 @@
     <p:sldMasterId id="2147483648" r:id="rId1"/>
   </p:sldMasterIdLst>
   <p:notesMasterIdLst>
-    <p:notesMasterId r:id="rId13"/>
+    <p:notesMasterId r:id="rId14"/>
   </p:notesMasterIdLst>
   <p:sldIdLst>
     <p:sldId id="256" r:id="rId2"/>
     <p:sldId id="258" r:id="rId3"/>
     <p:sldId id="257" r:id="rId4"/>
-    <p:sldId id="260" r:id="rId5"/>
-    <p:sldId id="261" r:id="rId6"/>
-    <p:sldId id="262" r:id="rId7"/>
+    <p:sldId id="262" r:id="rId5"/>
+    <p:sldId id="260" r:id="rId6"/>
+    <p:sldId id="261" r:id="rId7"/>
     <p:sldId id="263" r:id="rId8"/>
     <p:sldId id="264" r:id="rId9"/>
     <p:sldId id="265" r:id="rId10"/>
     <p:sldId id="266" r:id="rId11"/>
     <p:sldId id="267" r:id="rId12"/>
+    <p:sldId id="268" r:id="rId13"/>
   </p:sldIdLst>
   <p:sldSz cx="12192000" cy="6858000"/>
   <p:notesSz cx="6858000" cy="9144000"/>
@@ -128,7 +129,7 @@
 <file path=ppt/revisionInfo.xml><?xml version="1.0" encoding="utf-8"?>
 <p1510:revInfo xmlns:a="http://schemas.openxmlformats.org/drawingml/2006/main" xmlns:r="http://schemas.openxmlformats.org/officeDocument/2006/relationships" xmlns:p1510="http://schemas.microsoft.com/office/powerpoint/2015/10/main">
   <p1510:revLst>
-    <p1510:client id="{5232C866-B249-4232-8810-45254E2C8385}" v="192" dt="2022-07-11T20:52:14.091"/>
+    <p1510:client id="{5232C866-B249-4232-8810-45254E2C8385}" v="227" dt="2022-07-22T16:25:50.101"/>
   </p1510:revLst>
 </p1510:revInfo>
 </file>
@@ -138,18 +139,18 @@
   <pc:docChgLst>
     <pc:chgData name="Charris Bueno, Angela" userId="b8232014-281c-4726-a39a-713153e80496" providerId="ADAL" clId="{5232C866-B249-4232-8810-45254E2C8385}"/>
     <pc:docChg chg="undo custSel addSld delSld modSld sldOrd">
-      <pc:chgData name="Charris Bueno, Angela" userId="b8232014-281c-4726-a39a-713153e80496" providerId="ADAL" clId="{5232C866-B249-4232-8810-45254E2C8385}" dt="2022-07-11T20:57:45.988" v="1392"/>
+      <pc:chgData name="Charris Bueno, Angela" userId="b8232014-281c-4726-a39a-713153e80496" providerId="ADAL" clId="{5232C866-B249-4232-8810-45254E2C8385}" dt="2022-07-22T16:25:50.101" v="1532" actId="478"/>
       <pc:docMkLst>
         <pc:docMk/>
       </pc:docMkLst>
       <pc:sldChg chg="addSp delSp modSp new mod setBg addAnim delAnim modAnim modNotesTx">
-        <pc:chgData name="Charris Bueno, Angela" userId="b8232014-281c-4726-a39a-713153e80496" providerId="ADAL" clId="{5232C866-B249-4232-8810-45254E2C8385}" dt="2022-07-08T22:34:48.078" v="1012"/>
+        <pc:chgData name="Charris Bueno, Angela" userId="b8232014-281c-4726-a39a-713153e80496" providerId="ADAL" clId="{5232C866-B249-4232-8810-45254E2C8385}" dt="2022-07-22T16:25:12.061" v="1531" actId="1076"/>
         <pc:sldMkLst>
           <pc:docMk/>
           <pc:sldMk cId="3853985717" sldId="256"/>
         </pc:sldMkLst>
         <pc:spChg chg="mod">
-          <ac:chgData name="Charris Bueno, Angela" userId="b8232014-281c-4726-a39a-713153e80496" providerId="ADAL" clId="{5232C866-B249-4232-8810-45254E2C8385}" dt="2022-07-08T22:34:41.825" v="1008" actId="26606"/>
+          <ac:chgData name="Charris Bueno, Angela" userId="b8232014-281c-4726-a39a-713153e80496" providerId="ADAL" clId="{5232C866-B249-4232-8810-45254E2C8385}" dt="2022-07-22T16:24:51.777" v="1528" actId="1076"/>
           <ac:spMkLst>
             <pc:docMk/>
             <pc:sldMk cId="3853985717" sldId="256"/>
@@ -157,7 +158,7 @@
           </ac:spMkLst>
         </pc:spChg>
         <pc:spChg chg="mod">
-          <ac:chgData name="Charris Bueno, Angela" userId="b8232014-281c-4726-a39a-713153e80496" providerId="ADAL" clId="{5232C866-B249-4232-8810-45254E2C8385}" dt="2022-07-08T22:34:41.825" v="1008" actId="26606"/>
+          <ac:chgData name="Charris Bueno, Angela" userId="b8232014-281c-4726-a39a-713153e80496" providerId="ADAL" clId="{5232C866-B249-4232-8810-45254E2C8385}" dt="2022-07-22T16:25:01.780" v="1530" actId="14100"/>
           <ac:spMkLst>
             <pc:docMk/>
             <pc:sldMk cId="3853985717" sldId="256"/>
@@ -316,6 +317,14 @@
             <ac:grpSpMk id="22" creationId="{89D1390B-7E13-4B4F-9CB2-391063412E54}"/>
           </ac:grpSpMkLst>
         </pc:grpChg>
+        <pc:picChg chg="add del mod">
+          <ac:chgData name="Charris Bueno, Angela" userId="b8232014-281c-4726-a39a-713153e80496" providerId="ADAL" clId="{5232C866-B249-4232-8810-45254E2C8385}" dt="2022-07-22T16:24:07.768" v="1516"/>
+          <ac:picMkLst>
+            <pc:docMk/>
+            <pc:sldMk cId="3853985717" sldId="256"/>
+            <ac:picMk id="4" creationId="{4D6D66A7-C14E-4BDA-9C5C-FA5BE9D36DA0}"/>
+          </ac:picMkLst>
+        </pc:picChg>
         <pc:picChg chg="add del">
           <ac:chgData name="Charris Bueno, Angela" userId="b8232014-281c-4726-a39a-713153e80496" providerId="ADAL" clId="{5232C866-B249-4232-8810-45254E2C8385}" dt="2022-07-08T20:37:11.865" v="11" actId="26606"/>
           <ac:picMkLst>
@@ -338,6 +347,14 @@
             <pc:docMk/>
             <pc:sldMk cId="3853985717" sldId="256"/>
             <ac:picMk id="21" creationId="{5424589A-5137-0754-D164-B58B03D2F964}"/>
+          </ac:picMkLst>
+        </pc:picChg>
+        <pc:picChg chg="add mod">
+          <ac:chgData name="Charris Bueno, Angela" userId="b8232014-281c-4726-a39a-713153e80496" providerId="ADAL" clId="{5232C866-B249-4232-8810-45254E2C8385}" dt="2022-07-22T16:25:12.061" v="1531" actId="1076"/>
+          <ac:picMkLst>
+            <pc:docMk/>
+            <pc:sldMk cId="3853985717" sldId="256"/>
+            <ac:picMk id="2050" creationId="{BE761100-77AF-4C80-BD33-169EC2C0C773}"/>
           </ac:picMkLst>
         </pc:picChg>
       </pc:sldChg>
@@ -1231,8 +1248,8 @@
           </ac:cxnSpMkLst>
         </pc:cxnChg>
       </pc:sldChg>
-      <pc:sldChg chg="addSp modSp new mod setBg modNotesTx">
-        <pc:chgData name="Charris Bueno, Angela" userId="b8232014-281c-4726-a39a-713153e80496" providerId="ADAL" clId="{5232C866-B249-4232-8810-45254E2C8385}" dt="2022-07-08T22:30:45.148" v="993" actId="1076"/>
+      <pc:sldChg chg="addSp modSp new mod ord setBg modNotesTx">
+        <pc:chgData name="Charris Bueno, Angela" userId="b8232014-281c-4726-a39a-713153e80496" providerId="ADAL" clId="{5232C866-B249-4232-8810-45254E2C8385}" dt="2022-07-22T15:47:52.730" v="1394"/>
         <pc:sldMkLst>
           <pc:docMk/>
           <pc:sldMk cId="2761002176" sldId="262"/>
@@ -1632,6 +1649,277 @@
             <ac:picMk id="8" creationId="{143E648B-2855-4351-A1C9-0D13CA99318C}"/>
           </ac:picMkLst>
         </pc:picChg>
+      </pc:sldChg>
+      <pc:sldChg chg="addSp delSp modSp new mod setBg modClrScheme addAnim delAnim modAnim chgLayout">
+        <pc:chgData name="Charris Bueno, Angela" userId="b8232014-281c-4726-a39a-713153e80496" providerId="ADAL" clId="{5232C866-B249-4232-8810-45254E2C8385}" dt="2022-07-22T16:25:50.101" v="1532" actId="478"/>
+        <pc:sldMkLst>
+          <pc:docMk/>
+          <pc:sldMk cId="573843472" sldId="268"/>
+        </pc:sldMkLst>
+        <pc:spChg chg="del mod ord">
+          <ac:chgData name="Charris Bueno, Angela" userId="b8232014-281c-4726-a39a-713153e80496" providerId="ADAL" clId="{5232C866-B249-4232-8810-45254E2C8385}" dt="2022-07-22T16:13:08.368" v="1396" actId="700"/>
+          <ac:spMkLst>
+            <pc:docMk/>
+            <pc:sldMk cId="573843472" sldId="268"/>
+            <ac:spMk id="2" creationId="{786437F9-8C36-4EF9-9C6F-2C215CC0098E}"/>
+          </ac:spMkLst>
+        </pc:spChg>
+        <pc:spChg chg="del">
+          <ac:chgData name="Charris Bueno, Angela" userId="b8232014-281c-4726-a39a-713153e80496" providerId="ADAL" clId="{5232C866-B249-4232-8810-45254E2C8385}" dt="2022-07-22T16:13:08.368" v="1396" actId="700"/>
+          <ac:spMkLst>
+            <pc:docMk/>
+            <pc:sldMk cId="573843472" sldId="268"/>
+            <ac:spMk id="3" creationId="{BCA06D55-FB66-4480-9D5C-405CDDED2A9E}"/>
+          </ac:spMkLst>
+        </pc:spChg>
+        <pc:spChg chg="add del mod ord">
+          <ac:chgData name="Charris Bueno, Angela" userId="b8232014-281c-4726-a39a-713153e80496" providerId="ADAL" clId="{5232C866-B249-4232-8810-45254E2C8385}" dt="2022-07-22T16:22:52.641" v="1511" actId="1076"/>
+          <ac:spMkLst>
+            <pc:docMk/>
+            <pc:sldMk cId="573843472" sldId="268"/>
+            <ac:spMk id="4" creationId="{A9BAE095-92E8-4810-AF67-D13E2324E11E}"/>
+          </ac:spMkLst>
+        </pc:spChg>
+        <pc:spChg chg="add del">
+          <ac:chgData name="Charris Bueno, Angela" userId="b8232014-281c-4726-a39a-713153e80496" providerId="ADAL" clId="{5232C866-B249-4232-8810-45254E2C8385}" dt="2022-07-22T16:16:22.632" v="1466"/>
+          <ac:spMkLst>
+            <pc:docMk/>
+            <pc:sldMk cId="573843472" sldId="268"/>
+            <ac:spMk id="5" creationId="{40708D5E-8362-40E4-BCAE-291892DB6A00}"/>
+          </ac:spMkLst>
+        </pc:spChg>
+        <pc:spChg chg="add del">
+          <ac:chgData name="Charris Bueno, Angela" userId="b8232014-281c-4726-a39a-713153e80496" providerId="ADAL" clId="{5232C866-B249-4232-8810-45254E2C8385}" dt="2022-07-22T16:16:26.167" v="1468"/>
+          <ac:spMkLst>
+            <pc:docMk/>
+            <pc:sldMk cId="573843472" sldId="268"/>
+            <ac:spMk id="6" creationId="{2947176B-3617-4F34-A281-5746364DE6C4}"/>
+          </ac:spMkLst>
+        </pc:spChg>
+        <pc:spChg chg="add del">
+          <ac:chgData name="Charris Bueno, Angela" userId="b8232014-281c-4726-a39a-713153e80496" providerId="ADAL" clId="{5232C866-B249-4232-8810-45254E2C8385}" dt="2022-07-22T16:14:17.532" v="1458" actId="26606"/>
+          <ac:spMkLst>
+            <pc:docMk/>
+            <pc:sldMk cId="573843472" sldId="268"/>
+            <ac:spMk id="9" creationId="{A7895A40-19A4-42D6-9D30-DBC1E8002635}"/>
+          </ac:spMkLst>
+        </pc:spChg>
+        <pc:spChg chg="add del mod">
+          <ac:chgData name="Charris Bueno, Angela" userId="b8232014-281c-4726-a39a-713153e80496" providerId="ADAL" clId="{5232C866-B249-4232-8810-45254E2C8385}" dt="2022-07-22T16:22:18.457" v="1501" actId="478"/>
+          <ac:spMkLst>
+            <pc:docMk/>
+            <pc:sldMk cId="573843472" sldId="268"/>
+            <ac:spMk id="10" creationId="{65DDB63E-428D-4C91-9C21-8747B2113B29}"/>
+          </ac:spMkLst>
+        </pc:spChg>
+        <pc:spChg chg="add del">
+          <ac:chgData name="Charris Bueno, Angela" userId="b8232014-281c-4726-a39a-713153e80496" providerId="ADAL" clId="{5232C866-B249-4232-8810-45254E2C8385}" dt="2022-07-22T16:14:17.532" v="1458" actId="26606"/>
+          <ac:spMkLst>
+            <pc:docMk/>
+            <pc:sldMk cId="573843472" sldId="268"/>
+            <ac:spMk id="11" creationId="{02F429C4-ABC9-46FC-818A-B5429CDE4A96}"/>
+          </ac:spMkLst>
+        </pc:spChg>
+        <pc:spChg chg="add del">
+          <ac:chgData name="Charris Bueno, Angela" userId="b8232014-281c-4726-a39a-713153e80496" providerId="ADAL" clId="{5232C866-B249-4232-8810-45254E2C8385}" dt="2022-07-22T16:14:17.532" v="1458" actId="26606"/>
+          <ac:spMkLst>
+            <pc:docMk/>
+            <pc:sldMk cId="573843472" sldId="268"/>
+            <ac:spMk id="13" creationId="{2CEF98E4-3709-4952-8F42-2305CCE34FA3}"/>
+          </ac:spMkLst>
+        </pc:spChg>
+        <pc:spChg chg="add del">
+          <ac:chgData name="Charris Bueno, Angela" userId="b8232014-281c-4726-a39a-713153e80496" providerId="ADAL" clId="{5232C866-B249-4232-8810-45254E2C8385}" dt="2022-07-22T16:14:17.532" v="1458" actId="26606"/>
+          <ac:spMkLst>
+            <pc:docMk/>
+            <pc:sldMk cId="573843472" sldId="268"/>
+            <ac:spMk id="15" creationId="{F10BCCF5-D685-47FF-B675-647EAEB72C8E}"/>
+          </ac:spMkLst>
+        </pc:spChg>
+        <pc:spChg chg="add del">
+          <ac:chgData name="Charris Bueno, Angela" userId="b8232014-281c-4726-a39a-713153e80496" providerId="ADAL" clId="{5232C866-B249-4232-8810-45254E2C8385}" dt="2022-07-22T16:16:47.526" v="1475" actId="26606"/>
+          <ac:spMkLst>
+            <pc:docMk/>
+            <pc:sldMk cId="573843472" sldId="268"/>
+            <ac:spMk id="16" creationId="{3C48EA58-53D6-4E4A-9BDB-087D34617836}"/>
+          </ac:spMkLst>
+        </pc:spChg>
+        <pc:spChg chg="add del">
+          <ac:chgData name="Charris Bueno, Angela" userId="b8232014-281c-4726-a39a-713153e80496" providerId="ADAL" clId="{5232C866-B249-4232-8810-45254E2C8385}" dt="2022-07-22T16:14:17.532" v="1458" actId="26606"/>
+          <ac:spMkLst>
+            <pc:docMk/>
+            <pc:sldMk cId="573843472" sldId="268"/>
+            <ac:spMk id="17" creationId="{B0EE8A42-107A-4D4C-8D56-BBAE95C7FC0D}"/>
+          </ac:spMkLst>
+        </pc:spChg>
+        <pc:spChg chg="add del">
+          <ac:chgData name="Charris Bueno, Angela" userId="b8232014-281c-4726-a39a-713153e80496" providerId="ADAL" clId="{5232C866-B249-4232-8810-45254E2C8385}" dt="2022-07-22T16:14:26.250" v="1460" actId="26606"/>
+          <ac:spMkLst>
+            <pc:docMk/>
+            <pc:sldMk cId="573843472" sldId="268"/>
+            <ac:spMk id="19" creationId="{4522B21E-B2B9-4C72-9A71-C87EFD137480}"/>
+          </ac:spMkLst>
+        </pc:spChg>
+        <pc:spChg chg="add del">
+          <ac:chgData name="Charris Bueno, Angela" userId="b8232014-281c-4726-a39a-713153e80496" providerId="ADAL" clId="{5232C866-B249-4232-8810-45254E2C8385}" dt="2022-07-22T16:14:26.250" v="1460" actId="26606"/>
+          <ac:spMkLst>
+            <pc:docMk/>
+            <pc:sldMk cId="573843472" sldId="268"/>
+            <ac:spMk id="20" creationId="{5EB7D2A2-F448-44D4-938C-DC84CBCB3B1E}"/>
+          </ac:spMkLst>
+        </pc:spChg>
+        <pc:spChg chg="add del">
+          <ac:chgData name="Charris Bueno, Angela" userId="b8232014-281c-4726-a39a-713153e80496" providerId="ADAL" clId="{5232C866-B249-4232-8810-45254E2C8385}" dt="2022-07-22T16:14:26.250" v="1460" actId="26606"/>
+          <ac:spMkLst>
+            <pc:docMk/>
+            <pc:sldMk cId="573843472" sldId="268"/>
+            <ac:spMk id="21" creationId="{871AEA07-1E14-44B4-8E55-64EF049CD66F}"/>
+          </ac:spMkLst>
+        </pc:spChg>
+        <pc:spChg chg="add del">
+          <ac:chgData name="Charris Bueno, Angela" userId="b8232014-281c-4726-a39a-713153e80496" providerId="ADAL" clId="{5232C866-B249-4232-8810-45254E2C8385}" dt="2022-07-22T16:16:47.526" v="1475" actId="26606"/>
+          <ac:spMkLst>
+            <pc:docMk/>
+            <pc:sldMk cId="573843472" sldId="268"/>
+            <ac:spMk id="24" creationId="{C4B24C7E-2D5E-4C4E-9CD5-D61F243C9D1B}"/>
+          </ac:spMkLst>
+        </pc:spChg>
+        <pc:spChg chg="add del">
+          <ac:chgData name="Charris Bueno, Angela" userId="b8232014-281c-4726-a39a-713153e80496" providerId="ADAL" clId="{5232C866-B249-4232-8810-45254E2C8385}" dt="2022-07-22T16:16:47.524" v="1474" actId="26606"/>
+          <ac:spMkLst>
+            <pc:docMk/>
+            <pc:sldMk cId="573843472" sldId="268"/>
+            <ac:spMk id="33" creationId="{91DC6ABD-215C-4EA8-A483-CEF5B99AB385}"/>
+          </ac:spMkLst>
+        </pc:spChg>
+        <pc:spChg chg="add del">
+          <ac:chgData name="Charris Bueno, Angela" userId="b8232014-281c-4726-a39a-713153e80496" providerId="ADAL" clId="{5232C866-B249-4232-8810-45254E2C8385}" dt="2022-07-22T16:16:47.524" v="1474" actId="26606"/>
+          <ac:spMkLst>
+            <pc:docMk/>
+            <pc:sldMk cId="573843472" sldId="268"/>
+            <ac:spMk id="39" creationId="{04357C93-F0CB-4A1C-8F77-4E9063789819}"/>
+          </ac:spMkLst>
+        </pc:spChg>
+        <pc:spChg chg="add del">
+          <ac:chgData name="Charris Bueno, Angela" userId="b8232014-281c-4726-a39a-713153e80496" providerId="ADAL" clId="{5232C866-B249-4232-8810-45254E2C8385}" dt="2022-07-22T16:22:17.173" v="1499" actId="26606"/>
+          <ac:spMkLst>
+            <pc:docMk/>
+            <pc:sldMk cId="573843472" sldId="268"/>
+            <ac:spMk id="1032" creationId="{CA815F2C-4E80-4019-8E59-FAD3F7F8473D}"/>
+          </ac:spMkLst>
+        </pc:spChg>
+        <pc:spChg chg="add del">
+          <ac:chgData name="Charris Bueno, Angela" userId="b8232014-281c-4726-a39a-713153e80496" providerId="ADAL" clId="{5232C866-B249-4232-8810-45254E2C8385}" dt="2022-07-22T16:21:30.017" v="1490" actId="26606"/>
+          <ac:spMkLst>
+            <pc:docMk/>
+            <pc:sldMk cId="573843472" sldId="268"/>
+            <ac:spMk id="1035" creationId="{8DAAB828-02C8-4111-AC14-FF5ACEDDFE37}"/>
+          </ac:spMkLst>
+        </pc:spChg>
+        <pc:spChg chg="add del">
+          <ac:chgData name="Charris Bueno, Angela" userId="b8232014-281c-4726-a39a-713153e80496" providerId="ADAL" clId="{5232C866-B249-4232-8810-45254E2C8385}" dt="2022-07-22T16:21:24.667" v="1487" actId="26606"/>
+          <ac:spMkLst>
+            <pc:docMk/>
+            <pc:sldMk cId="573843472" sldId="268"/>
+            <ac:spMk id="1044" creationId="{7BDAC5B6-20CE-447F-8BA1-F2274AC7AE5B}"/>
+          </ac:spMkLst>
+        </pc:spChg>
+        <pc:spChg chg="add del">
+          <ac:chgData name="Charris Bueno, Angela" userId="b8232014-281c-4726-a39a-713153e80496" providerId="ADAL" clId="{5232C866-B249-4232-8810-45254E2C8385}" dt="2022-07-22T16:21:24.667" v="1487" actId="26606"/>
+          <ac:spMkLst>
+            <pc:docMk/>
+            <pc:sldMk cId="573843472" sldId="268"/>
+            <ac:spMk id="1046" creationId="{D1D22B31-BF8F-446B-9009-8A251FB177CB}"/>
+          </ac:spMkLst>
+        </pc:spChg>
+        <pc:spChg chg="add del">
+          <ac:chgData name="Charris Bueno, Angela" userId="b8232014-281c-4726-a39a-713153e80496" providerId="ADAL" clId="{5232C866-B249-4232-8810-45254E2C8385}" dt="2022-07-22T16:21:29.069" v="1489" actId="26606"/>
+          <ac:spMkLst>
+            <pc:docMk/>
+            <pc:sldMk cId="573843472" sldId="268"/>
+            <ac:spMk id="1048" creationId="{6D6B998F-CA62-4EE6-B7E7-046377D4F7EF}"/>
+          </ac:spMkLst>
+        </pc:spChg>
+        <pc:spChg chg="add del">
+          <ac:chgData name="Charris Bueno, Angela" userId="b8232014-281c-4726-a39a-713153e80496" providerId="ADAL" clId="{5232C866-B249-4232-8810-45254E2C8385}" dt="2022-07-22T16:21:29.069" v="1489" actId="26606"/>
+          <ac:spMkLst>
+            <pc:docMk/>
+            <pc:sldMk cId="573843472" sldId="268"/>
+            <ac:spMk id="1049" creationId="{C3862298-AF85-4572-BED3-52E573EBD410}"/>
+          </ac:spMkLst>
+        </pc:spChg>
+        <pc:spChg chg="add del">
+          <ac:chgData name="Charris Bueno, Angela" userId="b8232014-281c-4726-a39a-713153e80496" providerId="ADAL" clId="{5232C866-B249-4232-8810-45254E2C8385}" dt="2022-07-22T16:21:29.069" v="1489" actId="26606"/>
+          <ac:spMkLst>
+            <pc:docMk/>
+            <pc:sldMk cId="573843472" sldId="268"/>
+            <ac:spMk id="1050" creationId="{03E485DD-0C12-45BC-A361-28152A03BB93}"/>
+          </ac:spMkLst>
+        </pc:spChg>
+        <pc:grpChg chg="add del">
+          <ac:chgData name="Charris Bueno, Angela" userId="b8232014-281c-4726-a39a-713153e80496" providerId="ADAL" clId="{5232C866-B249-4232-8810-45254E2C8385}" dt="2022-07-22T16:16:47.526" v="1475" actId="26606"/>
+          <ac:grpSpMkLst>
+            <pc:docMk/>
+            <pc:sldMk cId="573843472" sldId="268"/>
+            <ac:grpSpMk id="25" creationId="{99072643-A0EC-42FB-B66A-24C0E6FFDC96}"/>
+          </ac:grpSpMkLst>
+        </pc:grpChg>
+        <pc:grpChg chg="add del">
+          <ac:chgData name="Charris Bueno, Angela" userId="b8232014-281c-4726-a39a-713153e80496" providerId="ADAL" clId="{5232C866-B249-4232-8810-45254E2C8385}" dt="2022-07-22T16:16:47.524" v="1474" actId="26606"/>
+          <ac:grpSpMkLst>
+            <pc:docMk/>
+            <pc:sldMk cId="573843472" sldId="268"/>
+            <ac:grpSpMk id="35" creationId="{3AF6A671-C637-4547-85F4-51B6D1881399}"/>
+          </ac:grpSpMkLst>
+        </pc:grpChg>
+        <pc:grpChg chg="add del">
+          <ac:chgData name="Charris Bueno, Angela" userId="b8232014-281c-4726-a39a-713153e80496" providerId="ADAL" clId="{5232C866-B249-4232-8810-45254E2C8385}" dt="2022-07-22T16:21:30.017" v="1490" actId="26606"/>
+          <ac:grpSpMkLst>
+            <pc:docMk/>
+            <pc:sldMk cId="573843472" sldId="268"/>
+            <ac:grpSpMk id="1037" creationId="{C32D4553-E775-4F16-9A6F-FED8D166A5B7}"/>
+          </ac:grpSpMkLst>
+        </pc:grpChg>
+        <pc:picChg chg="add del">
+          <ac:chgData name="Charris Bueno, Angela" userId="b8232014-281c-4726-a39a-713153e80496" providerId="ADAL" clId="{5232C866-B249-4232-8810-45254E2C8385}" dt="2022-07-22T16:16:33.249" v="1470" actId="478"/>
+          <ac:picMkLst>
+            <pc:docMk/>
+            <pc:sldMk cId="573843472" sldId="268"/>
+            <ac:picMk id="7" creationId="{1BF87B6D-EFEA-4E75-BD22-8966E634BE65}"/>
+          </ac:picMkLst>
+        </pc:picChg>
+        <pc:picChg chg="add del">
+          <ac:chgData name="Charris Bueno, Angela" userId="b8232014-281c-4726-a39a-713153e80496" providerId="ADAL" clId="{5232C866-B249-4232-8810-45254E2C8385}" dt="2022-07-22T16:16:47.524" v="1474" actId="26606"/>
+          <ac:picMkLst>
+            <pc:docMk/>
+            <pc:sldMk cId="573843472" sldId="268"/>
+            <ac:picMk id="30" creationId="{C4A3E71D-8502-9E9B-2A5E-AB7B91EA61EC}"/>
+          </ac:picMkLst>
+        </pc:picChg>
+        <pc:picChg chg="add del mod">
+          <ac:chgData name="Charris Bueno, Angela" userId="b8232014-281c-4726-a39a-713153e80496" providerId="ADAL" clId="{5232C866-B249-4232-8810-45254E2C8385}" dt="2022-07-22T16:20:31.979" v="1481" actId="478"/>
+          <ac:picMkLst>
+            <pc:docMk/>
+            <pc:sldMk cId="573843472" sldId="268"/>
+            <ac:picMk id="41" creationId="{9B3B37B4-031D-53DE-EED3-9200A87C88C5}"/>
+          </ac:picMkLst>
+        </pc:picChg>
+        <pc:picChg chg="add del mod">
+          <ac:chgData name="Charris Bueno, Angela" userId="b8232014-281c-4726-a39a-713153e80496" providerId="ADAL" clId="{5232C866-B249-4232-8810-45254E2C8385}" dt="2022-07-22T16:25:50.101" v="1532" actId="478"/>
+          <ac:picMkLst>
+            <pc:docMk/>
+            <pc:sldMk cId="573843472" sldId="268"/>
+            <ac:picMk id="1030" creationId="{402EFE00-597B-4F0D-B95E-AD5548953564}"/>
+          </ac:picMkLst>
+        </pc:picChg>
+        <pc:cxnChg chg="add del">
+          <ac:chgData name="Charris Bueno, Angela" userId="b8232014-281c-4726-a39a-713153e80496" providerId="ADAL" clId="{5232C866-B249-4232-8810-45254E2C8385}" dt="2022-07-22T16:14:26.250" v="1460" actId="26606"/>
+          <ac:cxnSpMkLst>
+            <pc:docMk/>
+            <pc:sldMk cId="573843472" sldId="268"/>
+            <ac:cxnSpMk id="22" creationId="{F7C8EA93-3210-4C62-99E9-153C275E3A87}"/>
+          </ac:cxnSpMkLst>
+        </pc:cxnChg>
       </pc:sldChg>
     </pc:docChg>
   </pc:docChgLst>
@@ -5774,7 +6062,7 @@
           <a:p>
             <a:fld id="{5C8DC9DF-1790-4E9B-9BE8-C7D05604764B}" type="datetimeFigureOut">
               <a:rPr lang="es-CR" smtClean="0"/>
-              <a:t>11/7/2022</a:t>
+              <a:t>22/7/2022</a:t>
             </a:fld>
             <a:endParaRPr lang="es-CR"/>
           </a:p>
@@ -6215,13 +6503,13 @@
           <a:p>
             <a:r>
               <a:rPr lang="es-CR" dirty="0"/>
-              <a:t>https://www.geeksforgeeks.org/most-commonly-used-tags-in-html/</a:t>
+              <a:t>https://www.geeksforgeeks.org/html-global-attributes/</a:t>
             </a:r>
           </a:p>
           <a:p>
             <a:r>
               <a:rPr lang="es-CR" dirty="0"/>
-              <a:t>https://www.geeksforgeeks.org/html-tags-complete-reference/</a:t>
+              <a:t>https://www.geeksforgeeks.org/html-attributes-complete-reference/</a:t>
             </a:r>
           </a:p>
         </p:txBody>
@@ -6252,7 +6540,7 @@
     </p:spTree>
     <p:extLst>
       <p:ext uri="{BB962C8B-B14F-4D97-AF65-F5344CB8AC3E}">
-        <p14:creationId xmlns:p14="http://schemas.microsoft.com/office/powerpoint/2010/main" val="3120080729"/>
+        <p14:creationId xmlns:p14="http://schemas.microsoft.com/office/powerpoint/2010/main" val="967246921"/>
       </p:ext>
     </p:extLst>
   </p:cSld>
@@ -6308,13 +6596,13 @@
           <a:p>
             <a:r>
               <a:rPr lang="es-CR" dirty="0"/>
-              <a:t>https://www.geeksforgeeks.org/html-global-attributes/</a:t>
+              <a:t>https://www.geeksforgeeks.org/most-commonly-used-tags-in-html/</a:t>
             </a:r>
           </a:p>
           <a:p>
             <a:r>
               <a:rPr lang="es-CR" dirty="0"/>
-              <a:t>https://www.geeksforgeeks.org/html-attributes-complete-reference/</a:t>
+              <a:t>https://www.geeksforgeeks.org/html-tags-complete-reference/</a:t>
             </a:r>
           </a:p>
         </p:txBody>
@@ -6336,7 +6624,7 @@
           <a:p>
             <a:fld id="{B2ECA3BA-3ACB-4C1F-B9A1-411E445BEDCF}" type="slidenum">
               <a:rPr lang="es-CR" smtClean="0"/>
-              <a:t>6</a:t>
+              <a:t>5</a:t>
             </a:fld>
             <a:endParaRPr lang="es-CR"/>
           </a:p>
@@ -6345,7 +6633,7 @@
     </p:spTree>
     <p:extLst>
       <p:ext uri="{BB962C8B-B14F-4D97-AF65-F5344CB8AC3E}">
-        <p14:creationId xmlns:p14="http://schemas.microsoft.com/office/powerpoint/2010/main" val="967246921"/>
+        <p14:creationId xmlns:p14="http://schemas.microsoft.com/office/powerpoint/2010/main" val="3120080729"/>
       </p:ext>
     </p:extLst>
   </p:cSld>
@@ -6705,7 +6993,7 @@
           <a:p>
             <a:fld id="{D8C3F0C4-B6DD-466E-9681-8EE012409971}" type="datetimeFigureOut">
               <a:rPr lang="es-CR" smtClean="0"/>
-              <a:t>11/7/2022</a:t>
+              <a:t>22/7/2022</a:t>
             </a:fld>
             <a:endParaRPr lang="es-CR"/>
           </a:p>
@@ -6905,7 +7193,7 @@
           <a:p>
             <a:fld id="{D8C3F0C4-B6DD-466E-9681-8EE012409971}" type="datetimeFigureOut">
               <a:rPr lang="es-CR" smtClean="0"/>
-              <a:t>11/7/2022</a:t>
+              <a:t>22/7/2022</a:t>
             </a:fld>
             <a:endParaRPr lang="es-CR"/>
           </a:p>
@@ -7115,7 +7403,7 @@
           <a:p>
             <a:fld id="{D8C3F0C4-B6DD-466E-9681-8EE012409971}" type="datetimeFigureOut">
               <a:rPr lang="es-CR" smtClean="0"/>
-              <a:t>11/7/2022</a:t>
+              <a:t>22/7/2022</a:t>
             </a:fld>
             <a:endParaRPr lang="es-CR"/>
           </a:p>
@@ -7315,7 +7603,7 @@
           <a:p>
             <a:fld id="{D8C3F0C4-B6DD-466E-9681-8EE012409971}" type="datetimeFigureOut">
               <a:rPr lang="es-CR" smtClean="0"/>
-              <a:t>11/7/2022</a:t>
+              <a:t>22/7/2022</a:t>
             </a:fld>
             <a:endParaRPr lang="es-CR"/>
           </a:p>
@@ -7591,7 +7879,7 @@
           <a:p>
             <a:fld id="{D8C3F0C4-B6DD-466E-9681-8EE012409971}" type="datetimeFigureOut">
               <a:rPr lang="es-CR" smtClean="0"/>
-              <a:t>11/7/2022</a:t>
+              <a:t>22/7/2022</a:t>
             </a:fld>
             <a:endParaRPr lang="es-CR"/>
           </a:p>
@@ -7859,7 +8147,7 @@
           <a:p>
             <a:fld id="{D8C3F0C4-B6DD-466E-9681-8EE012409971}" type="datetimeFigureOut">
               <a:rPr lang="es-CR" smtClean="0"/>
-              <a:t>11/7/2022</a:t>
+              <a:t>22/7/2022</a:t>
             </a:fld>
             <a:endParaRPr lang="es-CR"/>
           </a:p>
@@ -8274,7 +8562,7 @@
           <a:p>
             <a:fld id="{D8C3F0C4-B6DD-466E-9681-8EE012409971}" type="datetimeFigureOut">
               <a:rPr lang="es-CR" smtClean="0"/>
-              <a:t>11/7/2022</a:t>
+              <a:t>22/7/2022</a:t>
             </a:fld>
             <a:endParaRPr lang="es-CR"/>
           </a:p>
@@ -8416,7 +8704,7 @@
           <a:p>
             <a:fld id="{D8C3F0C4-B6DD-466E-9681-8EE012409971}" type="datetimeFigureOut">
               <a:rPr lang="es-CR" smtClean="0"/>
-              <a:t>11/7/2022</a:t>
+              <a:t>22/7/2022</a:t>
             </a:fld>
             <a:endParaRPr lang="es-CR"/>
           </a:p>
@@ -8529,7 +8817,7 @@
           <a:p>
             <a:fld id="{D8C3F0C4-B6DD-466E-9681-8EE012409971}" type="datetimeFigureOut">
               <a:rPr lang="es-CR" smtClean="0"/>
-              <a:t>11/7/2022</a:t>
+              <a:t>22/7/2022</a:t>
             </a:fld>
             <a:endParaRPr lang="es-CR"/>
           </a:p>
@@ -8842,7 +9130,7 @@
           <a:p>
             <a:fld id="{D8C3F0C4-B6DD-466E-9681-8EE012409971}" type="datetimeFigureOut">
               <a:rPr lang="es-CR" smtClean="0"/>
-              <a:t>11/7/2022</a:t>
+              <a:t>22/7/2022</a:t>
             </a:fld>
             <a:endParaRPr lang="es-CR"/>
           </a:p>
@@ -9131,7 +9419,7 @@
           <a:p>
             <a:fld id="{D8C3F0C4-B6DD-466E-9681-8EE012409971}" type="datetimeFigureOut">
               <a:rPr lang="es-CR" smtClean="0"/>
-              <a:t>11/7/2022</a:t>
+              <a:t>22/7/2022</a:t>
             </a:fld>
             <a:endParaRPr lang="es-CR"/>
           </a:p>
@@ -9374,7 +9662,7 @@
           <a:p>
             <a:fld id="{D8C3F0C4-B6DD-466E-9681-8EE012409971}" type="datetimeFigureOut">
               <a:rPr lang="es-CR" smtClean="0"/>
-              <a:t>11/7/2022</a:t>
+              <a:t>22/7/2022</a:t>
             </a:fld>
             <a:endParaRPr lang="es-CR"/>
           </a:p>
@@ -10006,8 +10294,8 @@
         </p:nvSpPr>
         <p:spPr>
           <a:xfrm>
-            <a:off x="1285241" y="1008993"/>
-            <a:ext cx="9231410" cy="3542045"/>
+            <a:off x="5998072" y="2504636"/>
+            <a:ext cx="3882586" cy="1845160"/>
           </a:xfrm>
         </p:spPr>
         <p:txBody>
@@ -10042,8 +10330,8 @@
         </p:nvSpPr>
         <p:spPr>
           <a:xfrm>
-            <a:off x="1285241" y="4582814"/>
-            <a:ext cx="7132335" cy="1312657"/>
+            <a:off x="6094300" y="4423038"/>
+            <a:ext cx="3767806" cy="550033"/>
           </a:xfrm>
         </p:spPr>
         <p:txBody>
@@ -10073,10 +10361,57 @@
               <a:rPr lang="es-CR" dirty="0" err="1"/>
               <a:t>Language</a:t>
             </a:r>
-            <a:endParaRPr lang="es-CR"/>
+            <a:endParaRPr lang="es-CR" dirty="0"/>
           </a:p>
         </p:txBody>
       </p:sp>
+      <p:pic>
+        <p:nvPicPr>
+          <p:cNvPr id="2050" name="Picture 2" descr="Css3 GIFs - Get the best GIF on GIPHY">
+            <a:extLst>
+              <a:ext uri="{FF2B5EF4-FFF2-40B4-BE49-F238E27FC236}">
+                <a16:creationId xmlns:a16="http://schemas.microsoft.com/office/drawing/2014/main" id="{BE761100-77AF-4C80-BD33-169EC2C0C773}"/>
+              </a:ext>
+            </a:extLst>
+          </p:cNvPr>
+          <p:cNvPicPr>
+            <a:picLocks noChangeAspect="1" noChangeArrowheads="1" noCrop="1"/>
+          </p:cNvPicPr>
+          <p:nvPr/>
+        </p:nvPicPr>
+        <p:blipFill>
+          <a:blip r:embed="rId3">
+            <a:extLst>
+              <a:ext uri="{28A0092B-C50C-407E-A947-70E740481C1C}">
+                <a14:useLocalDpi xmlns:a14="http://schemas.microsoft.com/office/drawing/2010/main" val="0"/>
+              </a:ext>
+            </a:extLst>
+          </a:blip>
+          <a:srcRect/>
+          <a:stretch>
+            <a:fillRect/>
+          </a:stretch>
+        </p:blipFill>
+        <p:spPr bwMode="auto">
+          <a:xfrm>
+            <a:off x="877127" y="1141216"/>
+            <a:ext cx="4572000" cy="4572000"/>
+          </a:xfrm>
+          <a:prstGeom prst="rect">
+            <a:avLst/>
+          </a:prstGeom>
+          <a:noFill/>
+          <a:extLst>
+            <a:ext uri="{909E8E84-426E-40DD-AFC4-6F175D3DCCD1}">
+              <a14:hiddenFill xmlns:a14="http://schemas.microsoft.com/office/drawing/2010/main">
+                <a:solidFill>
+                  <a:srgbClr val="FFFFFF"/>
+                </a:solidFill>
+              </a14:hiddenFill>
+            </a:ext>
+          </a:extLst>
+        </p:spPr>
+      </p:pic>
     </p:spTree>
     <p:extLst>
       <p:ext uri="{BB962C8B-B14F-4D97-AF65-F5344CB8AC3E}">
@@ -11048,6 +11383,83 @@
     <p:extLst>
       <p:ext uri="{BB962C8B-B14F-4D97-AF65-F5344CB8AC3E}">
         <p14:creationId xmlns:p14="http://schemas.microsoft.com/office/powerpoint/2010/main" val="1626484344"/>
+      </p:ext>
+    </p:extLst>
+  </p:cSld>
+  <p:clrMapOvr>
+    <a:masterClrMapping/>
+  </p:clrMapOvr>
+</p:sld>
+</file>
+
+<file path=ppt/slides/slide12.xml><?xml version="1.0" encoding="utf-8"?>
+<p:sld xmlns:a="http://schemas.openxmlformats.org/drawingml/2006/main" xmlns:r="http://schemas.openxmlformats.org/officeDocument/2006/relationships" xmlns:p="http://schemas.openxmlformats.org/presentationml/2006/main">
+  <p:cSld>
+    <p:bg>
+      <p:bgPr>
+        <a:solidFill>
+          <a:schemeClr val="bg1"/>
+        </a:solidFill>
+        <a:effectLst/>
+      </p:bgPr>
+    </p:bg>
+    <p:spTree>
+      <p:nvGrpSpPr>
+        <p:cNvPr id="1" name=""/>
+        <p:cNvGrpSpPr/>
+        <p:nvPr/>
+      </p:nvGrpSpPr>
+      <p:grpSpPr>
+        <a:xfrm>
+          <a:off x="0" y="0"/>
+          <a:ext cx="0" cy="0"/>
+          <a:chOff x="0" y="0"/>
+          <a:chExt cx="0" cy="0"/>
+        </a:xfrm>
+      </p:grpSpPr>
+      <p:sp>
+        <p:nvSpPr>
+          <p:cNvPr id="4" name="Title 3">
+            <a:extLst>
+              <a:ext uri="{FF2B5EF4-FFF2-40B4-BE49-F238E27FC236}">
+                <a16:creationId xmlns:a16="http://schemas.microsoft.com/office/drawing/2014/main" id="{A9BAE095-92E8-4810-AF67-D13E2324E11E}"/>
+              </a:ext>
+            </a:extLst>
+          </p:cNvPr>
+          <p:cNvSpPr>
+            <a:spLocks noGrp="1"/>
+          </p:cNvSpPr>
+          <p:nvPr>
+            <p:ph type="title"/>
+          </p:nvPr>
+        </p:nvSpPr>
+        <p:spPr>
+          <a:xfrm>
+            <a:off x="3973236" y="2727384"/>
+            <a:ext cx="4245527" cy="1403231"/>
+          </a:xfrm>
+        </p:spPr>
+        <p:txBody>
+          <a:bodyPr vert="horz" lIns="91440" tIns="45720" rIns="91440" bIns="45720" rtlCol="0" anchor="ctr">
+            <a:normAutofit/>
+          </a:bodyPr>
+          <a:lstStyle/>
+          <a:p>
+            <a:r>
+              <a:rPr lang="en-US" sz="8800" b="1" kern="1200" dirty="0">
+                <a:latin typeface="+mj-lt"/>
+                <a:ea typeface="+mj-ea"/>
+                <a:cs typeface="+mj-cs"/>
+              </a:rPr>
+              <a:t>¡Gracias!</a:t>
+            </a:r>
+          </a:p>
+        </p:txBody>
+      </p:sp>
+    </p:spTree>
+    <p:extLst>
+      <p:ext uri="{BB962C8B-B14F-4D97-AF65-F5344CB8AC3E}">
+        <p14:creationId xmlns:p14="http://schemas.microsoft.com/office/powerpoint/2010/main" val="573843472"/>
       </p:ext>
     </p:extLst>
   </p:cSld>
@@ -12346,1267 +12758,6 @@
       </p:grpSpPr>
       <p:sp useBgFill="1">
         <p:nvSpPr>
-          <p:cNvPr id="28" name="Rectangle 27">
-            <a:extLst>
-              <a:ext uri="{FF2B5EF4-FFF2-40B4-BE49-F238E27FC236}">
-                <a16:creationId xmlns:a16="http://schemas.microsoft.com/office/drawing/2014/main" id="{0D1D8088-559A-46A5-A801-CDF0B9476BED}"/>
-              </a:ext>
-              <a:ext uri="{C183D7F6-B498-43B3-948B-1728B52AA6E4}">
-                <adec:decorative xmlns:adec="http://schemas.microsoft.com/office/drawing/2017/decorative" val="1"/>
-              </a:ext>
-            </a:extLst>
-          </p:cNvPr>
-          <p:cNvSpPr>
-            <a:spLocks noGrp="1" noRot="1" noChangeAspect="1" noMove="1" noResize="1" noEditPoints="1" noAdjustHandles="1" noChangeArrowheads="1" noChangeShapeType="1" noTextEdit="1"/>
-          </p:cNvSpPr>
-          <p:nvPr>
-            <p:extLst>
-              <p:ext uri="{386F3935-93C4-4BCD-93E2-E3B085C9AB24}">
-                <p16:designElem xmlns:p16="http://schemas.microsoft.com/office/powerpoint/2015/main" val="1"/>
-              </p:ext>
-            </p:extLst>
-          </p:nvPr>
-        </p:nvSpPr>
-        <p:spPr>
-          <a:xfrm>
-            <a:off x="0" y="0"/>
-            <a:ext cx="12191999" cy="6857365"/>
-          </a:xfrm>
-          <a:prstGeom prst="rect">
-            <a:avLst/>
-          </a:prstGeom>
-          <a:ln>
-            <a:noFill/>
-          </a:ln>
-        </p:spPr>
-        <p:style>
-          <a:lnRef idx="2">
-            <a:schemeClr val="accent1">
-              <a:shade val="50000"/>
-            </a:schemeClr>
-          </a:lnRef>
-          <a:fillRef idx="1">
-            <a:schemeClr val="accent1"/>
-          </a:fillRef>
-          <a:effectRef idx="0">
-            <a:schemeClr val="accent1"/>
-          </a:effectRef>
-          <a:fontRef idx="minor">
-            <a:schemeClr val="lt1"/>
-          </a:fontRef>
-        </p:style>
-        <p:txBody>
-          <a:bodyPr rtlCol="0" anchor="ctr"/>
-          <a:lstStyle/>
-          <a:p>
-            <a:pPr algn="ctr"/>
-            <a:endParaRPr lang="en-US"/>
-          </a:p>
-        </p:txBody>
-      </p:sp>
-      <p:grpSp>
-        <p:nvGrpSpPr>
-          <p:cNvPr id="30" name="Group 29">
-            <a:extLst>
-              <a:ext uri="{FF2B5EF4-FFF2-40B4-BE49-F238E27FC236}">
-                <a16:creationId xmlns:a16="http://schemas.microsoft.com/office/drawing/2014/main" id="{83E2E96F-17F7-4C8C-BDF1-6BB90A0C1D7F}"/>
-              </a:ext>
-              <a:ext uri="{C183D7F6-B498-43B3-948B-1728B52AA6E4}">
-                <adec:decorative xmlns:adec="http://schemas.microsoft.com/office/drawing/2017/decorative" val="1"/>
-              </a:ext>
-            </a:extLst>
-          </p:cNvPr>
-          <p:cNvGrpSpPr>
-            <a:grpSpLocks noGrp="1" noUngrp="1" noRot="1" noChangeAspect="1" noMove="1" noResize="1"/>
-          </p:cNvGrpSpPr>
-          <p:nvPr>
-            <p:extLst>
-              <p:ext uri="{386F3935-93C4-4BCD-93E2-E3B085C9AB24}">
-                <p16:designElem xmlns:p16="http://schemas.microsoft.com/office/powerpoint/2015/main" val="1"/>
-              </p:ext>
-            </p:extLst>
-          </p:nvPr>
-        </p:nvGrpSpPr>
-        <p:grpSpPr>
-          <a:xfrm>
-            <a:off x="209667" y="2380868"/>
-            <a:ext cx="11982332" cy="2087795"/>
-            <a:chOff x="143163" y="5763486"/>
-            <a:chExt cx="11982332" cy="739555"/>
-          </a:xfrm>
-        </p:grpSpPr>
-        <p:sp>
-          <p:nvSpPr>
-            <p:cNvPr id="31" name="Rectangle 30">
-              <a:extLst>
-                <a:ext uri="{FF2B5EF4-FFF2-40B4-BE49-F238E27FC236}">
-                  <a16:creationId xmlns:a16="http://schemas.microsoft.com/office/drawing/2014/main" id="{846BD00C-9313-4A22-94F7-3875A46C6D6F}"/>
-                </a:ext>
-                <a:ext uri="{C183D7F6-B498-43B3-948B-1728B52AA6E4}">
-                  <adec:decorative xmlns:adec="http://schemas.microsoft.com/office/drawing/2017/decorative" val="1"/>
-                </a:ext>
-              </a:extLst>
-            </p:cNvPr>
-            <p:cNvSpPr/>
-            <p:nvPr>
-              <p:extLst>
-                <p:ext uri="{386F3935-93C4-4BCD-93E2-E3B085C9AB24}">
-                  <p16:designElem xmlns:p16="http://schemas.microsoft.com/office/powerpoint/2015/main" val="1"/>
-                </p:ext>
-              </p:extLst>
-            </p:nvPr>
-          </p:nvSpPr>
-          <p:spPr>
-            <a:xfrm flipH="1" flipV="1">
-              <a:off x="357444" y="5763486"/>
-              <a:ext cx="11768051" cy="739555"/>
-            </a:xfrm>
-            <a:prstGeom prst="rect">
-              <a:avLst/>
-            </a:prstGeom>
-            <a:solidFill>
-              <a:schemeClr val="accent4"/>
-            </a:solidFill>
-            <a:ln>
-              <a:noFill/>
-            </a:ln>
-          </p:spPr>
-          <p:style>
-            <a:lnRef idx="2">
-              <a:schemeClr val="accent1">
-                <a:shade val="50000"/>
-              </a:schemeClr>
-            </a:lnRef>
-            <a:fillRef idx="1">
-              <a:schemeClr val="accent1"/>
-            </a:fillRef>
-            <a:effectRef idx="0">
-              <a:schemeClr val="accent1"/>
-            </a:effectRef>
-            <a:fontRef idx="minor">
-              <a:schemeClr val="lt1"/>
-            </a:fontRef>
-          </p:style>
-          <p:txBody>
-            <a:bodyPr rtlCol="0" anchor="ctr"/>
-            <a:lstStyle/>
-            <a:p>
-              <a:pPr algn="ctr"/>
-              <a:endParaRPr lang="en-US"/>
-            </a:p>
-          </p:txBody>
-        </p:sp>
-        <p:cxnSp>
-          <p:nvCxnSpPr>
-            <p:cNvPr id="32" name="Straight Connector 31">
-              <a:extLst>
-                <a:ext uri="{FF2B5EF4-FFF2-40B4-BE49-F238E27FC236}">
-                  <a16:creationId xmlns:a16="http://schemas.microsoft.com/office/drawing/2014/main" id="{1EAF30D0-AA67-427C-9938-A2C8A9B5D5D9}"/>
-                </a:ext>
-                <a:ext uri="{C183D7F6-B498-43B3-948B-1728B52AA6E4}">
-                  <adec:decorative xmlns:adec="http://schemas.microsoft.com/office/drawing/2017/decorative" val="1"/>
-                </a:ext>
-              </a:extLst>
-            </p:cNvPr>
-            <p:cNvCxnSpPr>
-              <a:cxnSpLocks/>
-            </p:cNvCxnSpPr>
-            <p:nvPr>
-              <p:extLst>
-                <p:ext uri="{386F3935-93C4-4BCD-93E2-E3B085C9AB24}">
-                  <p16:designElem xmlns:p16="http://schemas.microsoft.com/office/powerpoint/2015/main" val="1"/>
-                </p:ext>
-              </p:extLst>
-            </p:nvPr>
-          </p:nvCxnSpPr>
-          <p:spPr>
-            <a:xfrm flipH="1">
-              <a:off x="143163" y="5763486"/>
-              <a:ext cx="1" cy="739555"/>
-            </a:xfrm>
-            <a:prstGeom prst="line">
-              <a:avLst/>
-            </a:prstGeom>
-            <a:ln w="177800">
-              <a:solidFill>
-                <a:schemeClr val="accent4"/>
-              </a:solidFill>
-            </a:ln>
-          </p:spPr>
-          <p:style>
-            <a:lnRef idx="1">
-              <a:schemeClr val="accent1"/>
-            </a:lnRef>
-            <a:fillRef idx="0">
-              <a:schemeClr val="accent1"/>
-            </a:fillRef>
-            <a:effectRef idx="0">
-              <a:schemeClr val="accent1"/>
-            </a:effectRef>
-            <a:fontRef idx="minor">
-              <a:schemeClr val="tx1"/>
-            </a:fontRef>
-          </p:style>
-        </p:cxnSp>
-      </p:grpSp>
-      <p:sp>
-        <p:nvSpPr>
-          <p:cNvPr id="34" name="Rectangle 33">
-            <a:extLst>
-              <a:ext uri="{FF2B5EF4-FFF2-40B4-BE49-F238E27FC236}">
-                <a16:creationId xmlns:a16="http://schemas.microsoft.com/office/drawing/2014/main" id="{3776B14B-F2F4-4825-8DA8-8C7A0F2B3960}"/>
-              </a:ext>
-              <a:ext uri="{C183D7F6-B498-43B3-948B-1728B52AA6E4}">
-                <adec:decorative xmlns:adec="http://schemas.microsoft.com/office/drawing/2017/decorative" val="1"/>
-              </a:ext>
-            </a:extLst>
-          </p:cNvPr>
-          <p:cNvSpPr>
-            <a:spLocks noGrp="1" noRot="1" noChangeAspect="1" noMove="1" noResize="1" noEditPoints="1" noAdjustHandles="1" noChangeArrowheads="1" noChangeShapeType="1" noTextEdit="1"/>
-          </p:cNvSpPr>
-          <p:nvPr>
-            <p:extLst>
-              <p:ext uri="{386F3935-93C4-4BCD-93E2-E3B085C9AB24}">
-                <p16:designElem xmlns:p16="http://schemas.microsoft.com/office/powerpoint/2015/main" val="1"/>
-              </p:ext>
-            </p:extLst>
-          </p:nvPr>
-        </p:nvSpPr>
-        <p:spPr>
-          <a:xfrm>
-            <a:off x="579528" y="466344"/>
-            <a:ext cx="11111729" cy="5917827"/>
-          </a:xfrm>
-          <a:prstGeom prst="rect">
-            <a:avLst/>
-          </a:prstGeom>
-          <a:solidFill>
-            <a:schemeClr val="bg1"/>
-          </a:solidFill>
-          <a:ln>
-            <a:noFill/>
-          </a:ln>
-          <a:effectLst>
-            <a:outerShdw blurRad="139700" dist="127000" dir="5400000" algn="t" rotWithShape="0">
-              <a:prstClr val="black">
-                <a:alpha val="15000"/>
-              </a:prstClr>
-            </a:outerShdw>
-          </a:effectLst>
-        </p:spPr>
-        <p:style>
-          <a:lnRef idx="2">
-            <a:schemeClr val="accent1">
-              <a:shade val="50000"/>
-            </a:schemeClr>
-          </a:lnRef>
-          <a:fillRef idx="1">
-            <a:schemeClr val="accent1"/>
-          </a:fillRef>
-          <a:effectRef idx="0">
-            <a:schemeClr val="accent1"/>
-          </a:effectRef>
-          <a:fontRef idx="minor">
-            <a:schemeClr val="lt1"/>
-          </a:fontRef>
-        </p:style>
-        <p:txBody>
-          <a:bodyPr rtlCol="0" anchor="ctr"/>
-          <a:lstStyle/>
-          <a:p>
-            <a:pPr algn="ctr"/>
-            <a:endParaRPr lang="en-US"/>
-          </a:p>
-        </p:txBody>
-      </p:sp>
-      <p:sp>
-        <p:nvSpPr>
-          <p:cNvPr id="2" name="Title 1">
-            <a:extLst>
-              <a:ext uri="{FF2B5EF4-FFF2-40B4-BE49-F238E27FC236}">
-                <a16:creationId xmlns:a16="http://schemas.microsoft.com/office/drawing/2014/main" id="{79FEBA8A-7BA7-45B6-B30B-50860A6A4FFB}"/>
-              </a:ext>
-            </a:extLst>
-          </p:cNvPr>
-          <p:cNvSpPr>
-            <a:spLocks noGrp="1"/>
-          </p:cNvSpPr>
-          <p:nvPr>
-            <p:ph type="title"/>
-          </p:nvPr>
-        </p:nvSpPr>
-        <p:spPr/>
-        <p:txBody>
-          <a:bodyPr/>
-          <a:lstStyle/>
-          <a:p>
-            <a:r>
-              <a:rPr lang="es-CR"/>
-              <a:t>Etiquetas</a:t>
-            </a:r>
-            <a:endParaRPr lang="es-CR" dirty="0"/>
-          </a:p>
-        </p:txBody>
-      </p:sp>
-      <p:graphicFrame>
-        <p:nvGraphicFramePr>
-          <p:cNvPr id="23" name="Content Placeholder 2">
-            <a:extLst>
-              <a:ext uri="{FF2B5EF4-FFF2-40B4-BE49-F238E27FC236}">
-                <a16:creationId xmlns:a16="http://schemas.microsoft.com/office/drawing/2014/main" id="{2F34AE47-6A5A-3CEE-9EEC-C62C53F34700}"/>
-              </a:ext>
-            </a:extLst>
-          </p:cNvPr>
-          <p:cNvGraphicFramePr>
-            <a:graphicFrameLocks noGrp="1"/>
-          </p:cNvGraphicFramePr>
-          <p:nvPr>
-            <p:ph idx="1"/>
-            <p:extLst>
-              <p:ext uri="{D42A27DB-BD31-4B8C-83A1-F6EECF244321}">
-                <p14:modId xmlns:p14="http://schemas.microsoft.com/office/powerpoint/2010/main" val="4008704396"/>
-              </p:ext>
-            </p:extLst>
-          </p:nvPr>
-        </p:nvGraphicFramePr>
-        <p:xfrm>
-          <a:off x="838200" y="1825625"/>
-          <a:ext cx="10515600" cy="4351338"/>
-        </p:xfrm>
-        <a:graphic>
-          <a:graphicData uri="http://schemas.openxmlformats.org/drawingml/2006/diagram">
-            <dgm:relIds xmlns:dgm="http://schemas.openxmlformats.org/drawingml/2006/diagram" xmlns:r="http://schemas.openxmlformats.org/officeDocument/2006/relationships" r:dm="rId3" r:lo="rId4" r:qs="rId5" r:cs="rId6"/>
-          </a:graphicData>
-        </a:graphic>
-      </p:graphicFrame>
-    </p:spTree>
-    <p:extLst>
-      <p:ext uri="{BB962C8B-B14F-4D97-AF65-F5344CB8AC3E}">
-        <p14:creationId xmlns:p14="http://schemas.microsoft.com/office/powerpoint/2010/main" val="2814245581"/>
-      </p:ext>
-    </p:extLst>
-  </p:cSld>
-  <p:clrMapOvr>
-    <a:masterClrMapping/>
-  </p:clrMapOvr>
-</p:sld>
-</file>
-
-<file path=ppt/slides/slide5.xml><?xml version="1.0" encoding="utf-8"?>
-<p:sld xmlns:a="http://schemas.openxmlformats.org/drawingml/2006/main" xmlns:r="http://schemas.openxmlformats.org/officeDocument/2006/relationships" xmlns:p="http://schemas.openxmlformats.org/presentationml/2006/main">
-  <p:cSld>
-    <p:bg>
-      <p:bgPr>
-        <a:solidFill>
-          <a:schemeClr val="bg1"/>
-        </a:solidFill>
-        <a:effectLst/>
-      </p:bgPr>
-    </p:bg>
-    <p:spTree>
-      <p:nvGrpSpPr>
-        <p:cNvPr id="1" name=""/>
-        <p:cNvGrpSpPr/>
-        <p:nvPr/>
-      </p:nvGrpSpPr>
-      <p:grpSpPr>
-        <a:xfrm>
-          <a:off x="0" y="0"/>
-          <a:ext cx="0" cy="0"/>
-          <a:chOff x="0" y="0"/>
-          <a:chExt cx="0" cy="0"/>
-        </a:xfrm>
-      </p:grpSpPr>
-      <p:sp useBgFill="1">
-        <p:nvSpPr>
-          <p:cNvPr id="25" name="Rectangle 24">
-            <a:extLst>
-              <a:ext uri="{FF2B5EF4-FFF2-40B4-BE49-F238E27FC236}">
-                <a16:creationId xmlns:a16="http://schemas.microsoft.com/office/drawing/2014/main" id="{DBF61EA3-B236-439E-9C0B-340980D56BEE}"/>
-              </a:ext>
-              <a:ext uri="{C183D7F6-B498-43B3-948B-1728B52AA6E4}">
-                <adec:decorative xmlns:adec="http://schemas.microsoft.com/office/drawing/2017/decorative" val="1"/>
-              </a:ext>
-            </a:extLst>
-          </p:cNvPr>
-          <p:cNvSpPr>
-            <a:spLocks noGrp="1" noRot="1" noChangeAspect="1" noMove="1" noResize="1" noEditPoints="1" noAdjustHandles="1" noChangeArrowheads="1" noChangeShapeType="1" noTextEdit="1"/>
-          </p:cNvSpPr>
-          <p:nvPr>
-            <p:extLst>
-              <p:ext uri="{386F3935-93C4-4BCD-93E2-E3B085C9AB24}">
-                <p16:designElem xmlns:p16="http://schemas.microsoft.com/office/powerpoint/2015/main" val="1"/>
-              </p:ext>
-            </p:extLst>
-          </p:nvPr>
-        </p:nvSpPr>
-        <p:spPr>
-          <a:xfrm>
-            <a:off x="0" y="0"/>
-            <a:ext cx="12191999" cy="6857365"/>
-          </a:xfrm>
-          <a:prstGeom prst="rect">
-            <a:avLst/>
-          </a:prstGeom>
-          <a:ln>
-            <a:noFill/>
-          </a:ln>
-        </p:spPr>
-        <p:style>
-          <a:lnRef idx="2">
-            <a:schemeClr val="accent1">
-              <a:shade val="50000"/>
-            </a:schemeClr>
-          </a:lnRef>
-          <a:fillRef idx="1">
-            <a:schemeClr val="accent1"/>
-          </a:fillRef>
-          <a:effectRef idx="0">
-            <a:schemeClr val="accent1"/>
-          </a:effectRef>
-          <a:fontRef idx="minor">
-            <a:schemeClr val="lt1"/>
-          </a:fontRef>
-        </p:style>
-        <p:txBody>
-          <a:bodyPr rtlCol="0" anchor="ctr"/>
-          <a:lstStyle/>
-          <a:p>
-            <a:pPr algn="ctr"/>
-            <a:endParaRPr lang="en-US"/>
-          </a:p>
-        </p:txBody>
-      </p:sp>
-      <p:sp>
-        <p:nvSpPr>
-          <p:cNvPr id="2" name="Title 1">
-            <a:extLst>
-              <a:ext uri="{FF2B5EF4-FFF2-40B4-BE49-F238E27FC236}">
-                <a16:creationId xmlns:a16="http://schemas.microsoft.com/office/drawing/2014/main" id="{78F4DA9F-35A8-4C0F-851C-CC0EEDE3A186}"/>
-              </a:ext>
-            </a:extLst>
-          </p:cNvPr>
-          <p:cNvSpPr>
-            <a:spLocks noGrp="1"/>
-          </p:cNvSpPr>
-          <p:nvPr>
-            <p:ph type="title"/>
-          </p:nvPr>
-        </p:nvSpPr>
-        <p:spPr>
-          <a:xfrm>
-            <a:off x="808638" y="386930"/>
-            <a:ext cx="9236700" cy="1188950"/>
-          </a:xfrm>
-        </p:spPr>
-        <p:txBody>
-          <a:bodyPr anchor="b">
-            <a:normAutofit/>
-          </a:bodyPr>
-          <a:lstStyle/>
-          <a:p>
-            <a:r>
-              <a:rPr lang="es-CR" sz="5400"/>
-              <a:t>Etiquetas - Input</a:t>
-            </a:r>
-          </a:p>
-        </p:txBody>
-      </p:sp>
-      <p:grpSp>
-        <p:nvGrpSpPr>
-          <p:cNvPr id="27" name="Group 26">
-            <a:extLst>
-              <a:ext uri="{FF2B5EF4-FFF2-40B4-BE49-F238E27FC236}">
-                <a16:creationId xmlns:a16="http://schemas.microsoft.com/office/drawing/2014/main" id="{28FAF094-D087-493F-8DF9-A486C2D6BBAA}"/>
-              </a:ext>
-              <a:ext uri="{C183D7F6-B498-43B3-948B-1728B52AA6E4}">
-                <adec:decorative xmlns:adec="http://schemas.microsoft.com/office/drawing/2017/decorative" val="1"/>
-              </a:ext>
-            </a:extLst>
-          </p:cNvPr>
-          <p:cNvGrpSpPr>
-            <a:grpSpLocks noGrp="1" noUngrp="1" noRot="1" noChangeAspect="1" noMove="1" noResize="1"/>
-          </p:cNvGrpSpPr>
-          <p:nvPr>
-            <p:extLst>
-              <p:ext uri="{386F3935-93C4-4BCD-93E2-E3B085C9AB24}">
-                <p16:designElem xmlns:p16="http://schemas.microsoft.com/office/powerpoint/2015/main" val="1"/>
-              </p:ext>
-            </p:extLst>
-          </p:nvPr>
-        </p:nvGrpSpPr>
-        <p:grpSpPr>
-          <a:xfrm>
-            <a:off x="-2" y="1998368"/>
-            <a:ext cx="11695083" cy="782176"/>
-            <a:chOff x="-2" y="1998368"/>
-            <a:chExt cx="11695083" cy="782176"/>
-          </a:xfrm>
-        </p:grpSpPr>
-        <p:sp>
-          <p:nvSpPr>
-            <p:cNvPr id="28" name="Rectangle 27">
-              <a:extLst>
-                <a:ext uri="{FF2B5EF4-FFF2-40B4-BE49-F238E27FC236}">
-                  <a16:creationId xmlns:a16="http://schemas.microsoft.com/office/drawing/2014/main" id="{8D7C88D8-5509-4514-925A-9CE148E5CBD6}"/>
-                </a:ext>
-                <a:ext uri="{C183D7F6-B498-43B3-948B-1728B52AA6E4}">
-                  <adec:decorative xmlns:adec="http://schemas.microsoft.com/office/drawing/2017/decorative" val="1"/>
-                </a:ext>
-              </a:extLst>
-            </p:cNvPr>
-            <p:cNvSpPr/>
-            <p:nvPr>
-              <p:extLst>
-                <p:ext uri="{386F3935-93C4-4BCD-93E2-E3B085C9AB24}">
-                  <p16:designElem xmlns:p16="http://schemas.microsoft.com/office/powerpoint/2015/main" val="1"/>
-                </p:ext>
-              </p:extLst>
-            </p:nvPr>
-          </p:nvSpPr>
-          <p:spPr>
-            <a:xfrm rot="5400000">
-              <a:off x="11228040" y="2313027"/>
-              <a:ext cx="781700" cy="152382"/>
-            </a:xfrm>
-            <a:prstGeom prst="rect">
-              <a:avLst/>
-            </a:prstGeom>
-            <a:solidFill>
-              <a:schemeClr val="accent4"/>
-            </a:solidFill>
-            <a:ln>
-              <a:noFill/>
-            </a:ln>
-          </p:spPr>
-          <p:style>
-            <a:lnRef idx="2">
-              <a:schemeClr val="accent1">
-                <a:shade val="50000"/>
-              </a:schemeClr>
-            </a:lnRef>
-            <a:fillRef idx="1">
-              <a:schemeClr val="accent1"/>
-            </a:fillRef>
-            <a:effectRef idx="0">
-              <a:schemeClr val="accent1"/>
-            </a:effectRef>
-            <a:fontRef idx="minor">
-              <a:schemeClr val="lt1"/>
-            </a:fontRef>
-          </p:style>
-          <p:txBody>
-            <a:bodyPr rtlCol="0" anchor="ctr"/>
-            <a:lstStyle/>
-            <a:p>
-              <a:pPr algn="ctr"/>
-              <a:endParaRPr lang="en-US"/>
-            </a:p>
-          </p:txBody>
-        </p:sp>
-        <p:sp>
-          <p:nvSpPr>
-            <p:cNvPr id="29" name="Rectangle 28">
-              <a:extLst>
-                <a:ext uri="{FF2B5EF4-FFF2-40B4-BE49-F238E27FC236}">
-                  <a16:creationId xmlns:a16="http://schemas.microsoft.com/office/drawing/2014/main" id="{7275593D-F75E-4426-AE3E-2CDEFD228D25}"/>
-                </a:ext>
-                <a:ext uri="{C183D7F6-B498-43B3-948B-1728B52AA6E4}">
-                  <adec:decorative xmlns:adec="http://schemas.microsoft.com/office/drawing/2017/decorative" val="1"/>
-                </a:ext>
-              </a:extLst>
-            </p:cNvPr>
-            <p:cNvSpPr/>
-            <p:nvPr>
-              <p:extLst>
-                <p:ext uri="{386F3935-93C4-4BCD-93E2-E3B085C9AB24}">
-                  <p16:designElem xmlns:p16="http://schemas.microsoft.com/office/powerpoint/2015/main" val="1"/>
-                </p:ext>
-              </p:extLst>
-            </p:nvPr>
-          </p:nvSpPr>
-          <p:spPr>
-            <a:xfrm flipH="1" flipV="1">
-              <a:off x="-2" y="1998845"/>
-              <a:ext cx="11454595" cy="781699"/>
-            </a:xfrm>
-            <a:prstGeom prst="rect">
-              <a:avLst/>
-            </a:prstGeom>
-            <a:solidFill>
-              <a:schemeClr val="accent4"/>
-            </a:solidFill>
-            <a:ln>
-              <a:noFill/>
-            </a:ln>
-          </p:spPr>
-          <p:style>
-            <a:lnRef idx="2">
-              <a:schemeClr val="accent1">
-                <a:shade val="50000"/>
-              </a:schemeClr>
-            </a:lnRef>
-            <a:fillRef idx="1">
-              <a:schemeClr val="accent1"/>
-            </a:fillRef>
-            <a:effectRef idx="0">
-              <a:schemeClr val="accent1"/>
-            </a:effectRef>
-            <a:fontRef idx="minor">
-              <a:schemeClr val="lt1"/>
-            </a:fontRef>
-          </p:style>
-          <p:txBody>
-            <a:bodyPr rtlCol="0" anchor="ctr"/>
-            <a:lstStyle/>
-            <a:p>
-              <a:pPr algn="ctr"/>
-              <a:endParaRPr lang="en-US"/>
-            </a:p>
-          </p:txBody>
-        </p:sp>
-      </p:grpSp>
-      <p:sp>
-        <p:nvSpPr>
-          <p:cNvPr id="31" name="Rectangle 30">
-            <a:extLst>
-              <a:ext uri="{FF2B5EF4-FFF2-40B4-BE49-F238E27FC236}">
-                <a16:creationId xmlns:a16="http://schemas.microsoft.com/office/drawing/2014/main" id="{E659831F-0D9A-4C63-9EBB-8435B85A440F}"/>
-              </a:ext>
-              <a:ext uri="{C183D7F6-B498-43B3-948B-1728B52AA6E4}">
-                <adec:decorative xmlns:adec="http://schemas.microsoft.com/office/drawing/2017/decorative" val="1"/>
-              </a:ext>
-            </a:extLst>
-          </p:cNvPr>
-          <p:cNvSpPr>
-            <a:spLocks noGrp="1" noRot="1" noChangeAspect="1" noMove="1" noResize="1" noEditPoints="1" noAdjustHandles="1" noChangeArrowheads="1" noChangeShapeType="1" noTextEdit="1"/>
-          </p:cNvSpPr>
-          <p:nvPr>
-            <p:extLst>
-              <p:ext uri="{386F3935-93C4-4BCD-93E2-E3B085C9AB24}">
-                <p16:designElem xmlns:p16="http://schemas.microsoft.com/office/powerpoint/2015/main" val="1"/>
-              </p:ext>
-            </p:extLst>
-          </p:nvPr>
-        </p:nvSpPr>
-        <p:spPr>
-          <a:xfrm>
-            <a:off x="0" y="2203079"/>
-            <a:ext cx="11383362" cy="4147845"/>
-          </a:xfrm>
-          <a:prstGeom prst="rect">
-            <a:avLst/>
-          </a:prstGeom>
-          <a:solidFill>
-            <a:schemeClr val="bg1"/>
-          </a:solidFill>
-          <a:ln>
-            <a:noFill/>
-          </a:ln>
-          <a:effectLst>
-            <a:outerShdw blurRad="139700" dist="127000" dir="5400000" algn="t" rotWithShape="0">
-              <a:prstClr val="black">
-                <a:alpha val="15000"/>
-              </a:prstClr>
-            </a:outerShdw>
-          </a:effectLst>
-        </p:spPr>
-        <p:style>
-          <a:lnRef idx="2">
-            <a:schemeClr val="accent1">
-              <a:shade val="50000"/>
-            </a:schemeClr>
-          </a:lnRef>
-          <a:fillRef idx="1">
-            <a:schemeClr val="accent1"/>
-          </a:fillRef>
-          <a:effectRef idx="0">
-            <a:schemeClr val="accent1"/>
-          </a:effectRef>
-          <a:fontRef idx="minor">
-            <a:schemeClr val="lt1"/>
-          </a:fontRef>
-        </p:style>
-        <p:txBody>
-          <a:bodyPr rtlCol="0" anchor="ctr"/>
-          <a:lstStyle/>
-          <a:p>
-            <a:pPr algn="ctr"/>
-            <a:endParaRPr lang="en-US"/>
-          </a:p>
-        </p:txBody>
-      </p:sp>
-      <p:sp>
-        <p:nvSpPr>
-          <p:cNvPr id="3" name="Content Placeholder 2">
-            <a:extLst>
-              <a:ext uri="{FF2B5EF4-FFF2-40B4-BE49-F238E27FC236}">
-                <a16:creationId xmlns:a16="http://schemas.microsoft.com/office/drawing/2014/main" id="{5CA5BDAD-BC02-4D19-8E6A-2184E0ECA0D6}"/>
-              </a:ext>
-            </a:extLst>
-          </p:cNvPr>
-          <p:cNvSpPr>
-            <a:spLocks noGrp="1"/>
-          </p:cNvSpPr>
-          <p:nvPr>
-            <p:ph idx="1"/>
-          </p:nvPr>
-        </p:nvSpPr>
-        <p:spPr>
-          <a:xfrm>
-            <a:off x="793660" y="2402541"/>
-            <a:ext cx="10143668" cy="3948383"/>
-          </a:xfrm>
-        </p:spPr>
-        <p:txBody>
-          <a:bodyPr numCol="2" anchor="ctr">
-            <a:normAutofit lnSpcReduction="10000"/>
-          </a:bodyPr>
-          <a:lstStyle/>
-          <a:p>
-            <a:pPr marL="0" indent="0" algn="ctr">
-              <a:buNone/>
-            </a:pPr>
-            <a:r>
-              <a:rPr lang="es-CR" sz="1800" dirty="0"/>
-              <a:t>&lt;input </a:t>
-            </a:r>
-            <a:r>
-              <a:rPr lang="es-CR" sz="1800" dirty="0" err="1"/>
-              <a:t>type</a:t>
-            </a:r>
-            <a:r>
-              <a:rPr lang="es-CR" sz="1800" dirty="0"/>
-              <a:t>="</a:t>
-            </a:r>
-            <a:r>
-              <a:rPr lang="es-CR" sz="1800" dirty="0" err="1"/>
-              <a:t>button</a:t>
-            </a:r>
-            <a:r>
-              <a:rPr lang="es-CR" sz="1800" dirty="0"/>
-              <a:t>"&gt;</a:t>
-            </a:r>
-          </a:p>
-          <a:p>
-            <a:pPr marL="0" indent="0" algn="ctr">
-              <a:buNone/>
-            </a:pPr>
-            <a:r>
-              <a:rPr lang="es-CR" sz="1800" dirty="0"/>
-              <a:t>&lt;input </a:t>
-            </a:r>
-            <a:r>
-              <a:rPr lang="es-CR" sz="1800" dirty="0" err="1"/>
-              <a:t>type</a:t>
-            </a:r>
-            <a:r>
-              <a:rPr lang="es-CR" sz="1800" dirty="0"/>
-              <a:t>="</a:t>
-            </a:r>
-            <a:r>
-              <a:rPr lang="es-CR" sz="1800" dirty="0" err="1"/>
-              <a:t>checkbox</a:t>
-            </a:r>
-            <a:r>
-              <a:rPr lang="es-CR" sz="1800" dirty="0"/>
-              <a:t>"&gt;</a:t>
-            </a:r>
-          </a:p>
-          <a:p>
-            <a:pPr marL="0" indent="0" algn="ctr">
-              <a:buNone/>
-            </a:pPr>
-            <a:r>
-              <a:rPr lang="es-CR" sz="1800" dirty="0"/>
-              <a:t>&lt;input </a:t>
-            </a:r>
-            <a:r>
-              <a:rPr lang="es-CR" sz="1800" dirty="0" err="1"/>
-              <a:t>type</a:t>
-            </a:r>
-            <a:r>
-              <a:rPr lang="es-CR" sz="1800" dirty="0"/>
-              <a:t>="color"&gt;</a:t>
-            </a:r>
-          </a:p>
-          <a:p>
-            <a:pPr marL="0" indent="0" algn="ctr">
-              <a:buNone/>
-            </a:pPr>
-            <a:r>
-              <a:rPr lang="es-CR" sz="1800" dirty="0"/>
-              <a:t>&lt;input </a:t>
-            </a:r>
-            <a:r>
-              <a:rPr lang="es-CR" sz="1800" dirty="0" err="1"/>
-              <a:t>type</a:t>
-            </a:r>
-            <a:r>
-              <a:rPr lang="es-CR" sz="1800" dirty="0"/>
-              <a:t>="date"&gt;</a:t>
-            </a:r>
-          </a:p>
-          <a:p>
-            <a:pPr marL="0" indent="0" algn="ctr">
-              <a:buNone/>
-            </a:pPr>
-            <a:r>
-              <a:rPr lang="es-CR" sz="1800" dirty="0"/>
-              <a:t>&lt;input </a:t>
-            </a:r>
-            <a:r>
-              <a:rPr lang="es-CR" sz="1800" dirty="0" err="1"/>
-              <a:t>type</a:t>
-            </a:r>
-            <a:r>
-              <a:rPr lang="es-CR" sz="1800" dirty="0"/>
-              <a:t>="</a:t>
-            </a:r>
-            <a:r>
-              <a:rPr lang="es-CR" sz="1800" dirty="0" err="1"/>
-              <a:t>datetime</a:t>
-            </a:r>
-            <a:r>
-              <a:rPr lang="es-CR" sz="1800" dirty="0"/>
-              <a:t>-local"&gt;</a:t>
-            </a:r>
-          </a:p>
-          <a:p>
-            <a:pPr marL="0" indent="0" algn="ctr">
-              <a:buNone/>
-            </a:pPr>
-            <a:r>
-              <a:rPr lang="es-CR" sz="1800" dirty="0"/>
-              <a:t>&lt;input </a:t>
-            </a:r>
-            <a:r>
-              <a:rPr lang="es-CR" sz="1800" dirty="0" err="1"/>
-              <a:t>type</a:t>
-            </a:r>
-            <a:r>
-              <a:rPr lang="es-CR" sz="1800" dirty="0"/>
-              <a:t>="email"&gt;</a:t>
-            </a:r>
-          </a:p>
-          <a:p>
-            <a:pPr marL="0" indent="0" algn="ctr">
-              <a:buNone/>
-            </a:pPr>
-            <a:r>
-              <a:rPr lang="es-CR" sz="1800" dirty="0"/>
-              <a:t>&lt;input </a:t>
-            </a:r>
-            <a:r>
-              <a:rPr lang="es-CR" sz="1800" dirty="0" err="1"/>
-              <a:t>type</a:t>
-            </a:r>
-            <a:r>
-              <a:rPr lang="es-CR" sz="1800" dirty="0"/>
-              <a:t>="file"&gt;</a:t>
-            </a:r>
-          </a:p>
-          <a:p>
-            <a:pPr marL="0" indent="0" algn="ctr">
-              <a:buNone/>
-            </a:pPr>
-            <a:r>
-              <a:rPr lang="es-CR" sz="1800" dirty="0"/>
-              <a:t>&lt;input </a:t>
-            </a:r>
-            <a:r>
-              <a:rPr lang="es-CR" sz="1800" dirty="0" err="1"/>
-              <a:t>type</a:t>
-            </a:r>
-            <a:r>
-              <a:rPr lang="es-CR" sz="1800" dirty="0"/>
-              <a:t>="</a:t>
-            </a:r>
-            <a:r>
-              <a:rPr lang="es-CR" sz="1800" dirty="0" err="1"/>
-              <a:t>hidden</a:t>
-            </a:r>
-            <a:r>
-              <a:rPr lang="es-CR" sz="1800" dirty="0"/>
-              <a:t>"&gt;</a:t>
-            </a:r>
-          </a:p>
-          <a:p>
-            <a:pPr marL="0" indent="0" algn="ctr">
-              <a:buNone/>
-            </a:pPr>
-            <a:r>
-              <a:rPr lang="es-CR" sz="1800" dirty="0"/>
-              <a:t>&lt;input </a:t>
-            </a:r>
-            <a:r>
-              <a:rPr lang="es-CR" sz="1800" dirty="0" err="1"/>
-              <a:t>type</a:t>
-            </a:r>
-            <a:r>
-              <a:rPr lang="es-CR" sz="1800" dirty="0"/>
-              <a:t>="</a:t>
-            </a:r>
-            <a:r>
-              <a:rPr lang="es-CR" sz="1800" dirty="0" err="1"/>
-              <a:t>image</a:t>
-            </a:r>
-            <a:r>
-              <a:rPr lang="es-CR" sz="1800" dirty="0"/>
-              <a:t>"&gt;</a:t>
-            </a:r>
-          </a:p>
-          <a:p>
-            <a:pPr marL="0" indent="0" algn="ctr">
-              <a:buNone/>
-            </a:pPr>
-            <a:r>
-              <a:rPr lang="es-CR" sz="1800" dirty="0"/>
-              <a:t>&lt;input </a:t>
-            </a:r>
-            <a:r>
-              <a:rPr lang="es-CR" sz="1800" dirty="0" err="1"/>
-              <a:t>type</a:t>
-            </a:r>
-            <a:r>
-              <a:rPr lang="es-CR" sz="1800" dirty="0"/>
-              <a:t>="</a:t>
-            </a:r>
-            <a:r>
-              <a:rPr lang="es-CR" sz="1800" dirty="0" err="1"/>
-              <a:t>month</a:t>
-            </a:r>
-            <a:r>
-              <a:rPr lang="es-CR" sz="1800" dirty="0"/>
-              <a:t>"&gt;</a:t>
-            </a:r>
-          </a:p>
-          <a:p>
-            <a:pPr marL="0" indent="0" algn="ctr">
-              <a:buNone/>
-            </a:pPr>
-            <a:r>
-              <a:rPr lang="es-CR" sz="1800" dirty="0"/>
-              <a:t>&lt;input </a:t>
-            </a:r>
-            <a:r>
-              <a:rPr lang="es-CR" sz="1800" dirty="0" err="1"/>
-              <a:t>type</a:t>
-            </a:r>
-            <a:r>
-              <a:rPr lang="es-CR" sz="1800" dirty="0"/>
-              <a:t>="</a:t>
-            </a:r>
-            <a:r>
-              <a:rPr lang="es-CR" sz="1800" dirty="0" err="1"/>
-              <a:t>number</a:t>
-            </a:r>
-            <a:r>
-              <a:rPr lang="es-CR" sz="1800" dirty="0"/>
-              <a:t>"&gt;</a:t>
-            </a:r>
-          </a:p>
-          <a:p>
-            <a:pPr marL="0" indent="0" algn="ctr">
-              <a:buNone/>
-            </a:pPr>
-            <a:r>
-              <a:rPr lang="es-CR" sz="1800" dirty="0"/>
-              <a:t>&lt;input </a:t>
-            </a:r>
-            <a:r>
-              <a:rPr lang="es-CR" sz="1800" dirty="0" err="1"/>
-              <a:t>type</a:t>
-            </a:r>
-            <a:r>
-              <a:rPr lang="es-CR" sz="1800" dirty="0"/>
-              <a:t>="</a:t>
-            </a:r>
-            <a:r>
-              <a:rPr lang="es-CR" sz="1800" dirty="0" err="1"/>
-              <a:t>password</a:t>
-            </a:r>
-            <a:r>
-              <a:rPr lang="es-CR" sz="1800" dirty="0"/>
-              <a:t>"&gt;</a:t>
-            </a:r>
-          </a:p>
-          <a:p>
-            <a:pPr marL="0" indent="0" algn="ctr">
-              <a:buNone/>
-            </a:pPr>
-            <a:r>
-              <a:rPr lang="es-CR" sz="1800" dirty="0"/>
-              <a:t>&lt;input </a:t>
-            </a:r>
-            <a:r>
-              <a:rPr lang="es-CR" sz="1800" dirty="0" err="1"/>
-              <a:t>type</a:t>
-            </a:r>
-            <a:r>
-              <a:rPr lang="es-CR" sz="1800" dirty="0"/>
-              <a:t>="radio"&gt;</a:t>
-            </a:r>
-          </a:p>
-          <a:p>
-            <a:pPr marL="0" indent="0" algn="ctr">
-              <a:buNone/>
-            </a:pPr>
-            <a:r>
-              <a:rPr lang="es-CR" sz="1800" dirty="0"/>
-              <a:t>&lt;input </a:t>
-            </a:r>
-            <a:r>
-              <a:rPr lang="es-CR" sz="1800" dirty="0" err="1"/>
-              <a:t>type</a:t>
-            </a:r>
-            <a:r>
-              <a:rPr lang="es-CR" sz="1800" dirty="0"/>
-              <a:t>="</a:t>
-            </a:r>
-            <a:r>
-              <a:rPr lang="es-CR" sz="1800" dirty="0" err="1"/>
-              <a:t>range</a:t>
-            </a:r>
-            <a:r>
-              <a:rPr lang="es-CR" sz="1800" dirty="0"/>
-              <a:t>"&gt;</a:t>
-            </a:r>
-          </a:p>
-          <a:p>
-            <a:pPr marL="0" indent="0" algn="ctr">
-              <a:buNone/>
-            </a:pPr>
-            <a:r>
-              <a:rPr lang="es-CR" sz="1800" dirty="0"/>
-              <a:t>&lt;input </a:t>
-            </a:r>
-            <a:r>
-              <a:rPr lang="es-CR" sz="1800" dirty="0" err="1"/>
-              <a:t>type</a:t>
-            </a:r>
-            <a:r>
-              <a:rPr lang="es-CR" sz="1800" dirty="0"/>
-              <a:t>="</a:t>
-            </a:r>
-            <a:r>
-              <a:rPr lang="es-CR" sz="1800" dirty="0" err="1"/>
-              <a:t>reset</a:t>
-            </a:r>
-            <a:r>
-              <a:rPr lang="es-CR" sz="1800" dirty="0"/>
-              <a:t>"&gt;</a:t>
-            </a:r>
-          </a:p>
-          <a:p>
-            <a:pPr marL="0" indent="0" algn="ctr">
-              <a:buNone/>
-            </a:pPr>
-            <a:r>
-              <a:rPr lang="es-CR" sz="1800" dirty="0"/>
-              <a:t>&lt;input </a:t>
-            </a:r>
-            <a:r>
-              <a:rPr lang="es-CR" sz="1800" dirty="0" err="1"/>
-              <a:t>type</a:t>
-            </a:r>
-            <a:r>
-              <a:rPr lang="es-CR" sz="1800" dirty="0"/>
-              <a:t>="</a:t>
-            </a:r>
-            <a:r>
-              <a:rPr lang="es-CR" sz="1800" dirty="0" err="1"/>
-              <a:t>search</a:t>
-            </a:r>
-            <a:r>
-              <a:rPr lang="es-CR" sz="1800" dirty="0"/>
-              <a:t>"&gt;</a:t>
-            </a:r>
-          </a:p>
-          <a:p>
-            <a:pPr marL="0" indent="0" algn="ctr">
-              <a:buNone/>
-            </a:pPr>
-            <a:r>
-              <a:rPr lang="es-CR" sz="1800" dirty="0"/>
-              <a:t>&lt;input </a:t>
-            </a:r>
-            <a:r>
-              <a:rPr lang="es-CR" sz="1800" dirty="0" err="1"/>
-              <a:t>type</a:t>
-            </a:r>
-            <a:r>
-              <a:rPr lang="es-CR" sz="1800" dirty="0"/>
-              <a:t>="</a:t>
-            </a:r>
-            <a:r>
-              <a:rPr lang="es-CR" sz="1800" dirty="0" err="1"/>
-              <a:t>submit</a:t>
-            </a:r>
-            <a:r>
-              <a:rPr lang="es-CR" sz="1800" dirty="0"/>
-              <a:t>"&gt;</a:t>
-            </a:r>
-          </a:p>
-          <a:p>
-            <a:pPr marL="0" indent="0" algn="ctr">
-              <a:buNone/>
-            </a:pPr>
-            <a:r>
-              <a:rPr lang="es-CR" sz="1800" dirty="0"/>
-              <a:t>&lt;input </a:t>
-            </a:r>
-            <a:r>
-              <a:rPr lang="es-CR" sz="1800" dirty="0" err="1"/>
-              <a:t>type</a:t>
-            </a:r>
-            <a:r>
-              <a:rPr lang="es-CR" sz="1800" dirty="0"/>
-              <a:t>="</a:t>
-            </a:r>
-            <a:r>
-              <a:rPr lang="es-CR" sz="1800" dirty="0" err="1"/>
-              <a:t>tel</a:t>
-            </a:r>
-            <a:r>
-              <a:rPr lang="es-CR" sz="1800" dirty="0"/>
-              <a:t>"&gt;</a:t>
-            </a:r>
-          </a:p>
-          <a:p>
-            <a:pPr marL="0" indent="0" algn="ctr">
-              <a:buNone/>
-            </a:pPr>
-            <a:r>
-              <a:rPr lang="es-CR" sz="1800" dirty="0"/>
-              <a:t>&lt;input </a:t>
-            </a:r>
-            <a:r>
-              <a:rPr lang="es-CR" sz="1800" dirty="0" err="1"/>
-              <a:t>type</a:t>
-            </a:r>
-            <a:r>
-              <a:rPr lang="es-CR" sz="1800" dirty="0"/>
-              <a:t>="</a:t>
-            </a:r>
-            <a:r>
-              <a:rPr lang="es-CR" sz="1800" dirty="0" err="1"/>
-              <a:t>text</a:t>
-            </a:r>
-            <a:r>
-              <a:rPr lang="es-CR" sz="1800" dirty="0"/>
-              <a:t>"&gt;</a:t>
-            </a:r>
-          </a:p>
-          <a:p>
-            <a:pPr marL="0" indent="0" algn="ctr">
-              <a:buNone/>
-            </a:pPr>
-            <a:r>
-              <a:rPr lang="es-CR" sz="1800" dirty="0"/>
-              <a:t>&lt;input </a:t>
-            </a:r>
-            <a:r>
-              <a:rPr lang="es-CR" sz="1800" dirty="0" err="1"/>
-              <a:t>type</a:t>
-            </a:r>
-            <a:r>
-              <a:rPr lang="es-CR" sz="1800" dirty="0"/>
-              <a:t>="time"&gt;</a:t>
-            </a:r>
-          </a:p>
-          <a:p>
-            <a:pPr marL="0" indent="0" algn="ctr">
-              <a:buNone/>
-            </a:pPr>
-            <a:r>
-              <a:rPr lang="es-CR" sz="1800" dirty="0"/>
-              <a:t>&lt;input </a:t>
-            </a:r>
-            <a:r>
-              <a:rPr lang="es-CR" sz="1800" dirty="0" err="1"/>
-              <a:t>type</a:t>
-            </a:r>
-            <a:r>
-              <a:rPr lang="es-CR" sz="1800" dirty="0"/>
-              <a:t>="</a:t>
-            </a:r>
-            <a:r>
-              <a:rPr lang="es-CR" sz="1800" dirty="0" err="1"/>
-              <a:t>url</a:t>
-            </a:r>
-            <a:r>
-              <a:rPr lang="es-CR" sz="1800" dirty="0"/>
-              <a:t>"&gt;</a:t>
-            </a:r>
-          </a:p>
-          <a:p>
-            <a:pPr marL="0" indent="0" algn="ctr">
-              <a:buNone/>
-            </a:pPr>
-            <a:r>
-              <a:rPr lang="es-CR" sz="1800" dirty="0"/>
-              <a:t>&lt;input </a:t>
-            </a:r>
-            <a:r>
-              <a:rPr lang="es-CR" sz="1800" dirty="0" err="1"/>
-              <a:t>type</a:t>
-            </a:r>
-            <a:r>
-              <a:rPr lang="es-CR" sz="1800" dirty="0"/>
-              <a:t>="</a:t>
-            </a:r>
-            <a:r>
-              <a:rPr lang="es-CR" sz="1800" dirty="0" err="1"/>
-              <a:t>week</a:t>
-            </a:r>
-            <a:r>
-              <a:rPr lang="es-CR" sz="1800" dirty="0"/>
-              <a:t>"&gt;</a:t>
-            </a:r>
-          </a:p>
-        </p:txBody>
-      </p:sp>
-    </p:spTree>
-    <p:extLst>
-      <p:ext uri="{BB962C8B-B14F-4D97-AF65-F5344CB8AC3E}">
-        <p14:creationId xmlns:p14="http://schemas.microsoft.com/office/powerpoint/2010/main" val="3593380345"/>
-      </p:ext>
-    </p:extLst>
-  </p:cSld>
-  <p:clrMapOvr>
-    <a:masterClrMapping/>
-  </p:clrMapOvr>
-</p:sld>
-</file>
-
-<file path=ppt/slides/slide6.xml><?xml version="1.0" encoding="utf-8"?>
-<p:sld xmlns:a="http://schemas.openxmlformats.org/drawingml/2006/main" xmlns:r="http://schemas.openxmlformats.org/officeDocument/2006/relationships" xmlns:p="http://schemas.openxmlformats.org/presentationml/2006/main">
-  <p:cSld>
-    <p:bg>
-      <p:bgPr>
-        <a:solidFill>
-          <a:schemeClr val="bg1"/>
-        </a:solidFill>
-        <a:effectLst/>
-      </p:bgPr>
-    </p:bg>
-    <p:spTree>
-      <p:nvGrpSpPr>
-        <p:cNvPr id="1" name=""/>
-        <p:cNvGrpSpPr/>
-        <p:nvPr/>
-      </p:nvGrpSpPr>
-      <p:grpSpPr>
-        <a:xfrm>
-          <a:off x="0" y="0"/>
-          <a:ext cx="0" cy="0"/>
-          <a:chOff x="0" y="0"/>
-          <a:chExt cx="0" cy="0"/>
-        </a:xfrm>
-      </p:grpSpPr>
-      <p:sp useBgFill="1">
-        <p:nvSpPr>
           <p:cNvPr id="8" name="Rectangle 7">
             <a:extLst>
               <a:ext uri="{FF2B5EF4-FFF2-40B4-BE49-F238E27FC236}">
@@ -14153,6 +13304,1267 @@
     <p:extLst>
       <p:ext uri="{BB962C8B-B14F-4D97-AF65-F5344CB8AC3E}">
         <p14:creationId xmlns:p14="http://schemas.microsoft.com/office/powerpoint/2010/main" val="2761002176"/>
+      </p:ext>
+    </p:extLst>
+  </p:cSld>
+  <p:clrMapOvr>
+    <a:masterClrMapping/>
+  </p:clrMapOvr>
+</p:sld>
+</file>
+
+<file path=ppt/slides/slide5.xml><?xml version="1.0" encoding="utf-8"?>
+<p:sld xmlns:a="http://schemas.openxmlformats.org/drawingml/2006/main" xmlns:r="http://schemas.openxmlformats.org/officeDocument/2006/relationships" xmlns:p="http://schemas.openxmlformats.org/presentationml/2006/main">
+  <p:cSld>
+    <p:bg>
+      <p:bgPr>
+        <a:solidFill>
+          <a:schemeClr val="bg1"/>
+        </a:solidFill>
+        <a:effectLst/>
+      </p:bgPr>
+    </p:bg>
+    <p:spTree>
+      <p:nvGrpSpPr>
+        <p:cNvPr id="1" name=""/>
+        <p:cNvGrpSpPr/>
+        <p:nvPr/>
+      </p:nvGrpSpPr>
+      <p:grpSpPr>
+        <a:xfrm>
+          <a:off x="0" y="0"/>
+          <a:ext cx="0" cy="0"/>
+          <a:chOff x="0" y="0"/>
+          <a:chExt cx="0" cy="0"/>
+        </a:xfrm>
+      </p:grpSpPr>
+      <p:sp useBgFill="1">
+        <p:nvSpPr>
+          <p:cNvPr id="28" name="Rectangle 27">
+            <a:extLst>
+              <a:ext uri="{FF2B5EF4-FFF2-40B4-BE49-F238E27FC236}">
+                <a16:creationId xmlns:a16="http://schemas.microsoft.com/office/drawing/2014/main" id="{0D1D8088-559A-46A5-A801-CDF0B9476BED}"/>
+              </a:ext>
+              <a:ext uri="{C183D7F6-B498-43B3-948B-1728B52AA6E4}">
+                <adec:decorative xmlns:adec="http://schemas.microsoft.com/office/drawing/2017/decorative" val="1"/>
+              </a:ext>
+            </a:extLst>
+          </p:cNvPr>
+          <p:cNvSpPr>
+            <a:spLocks noGrp="1" noRot="1" noChangeAspect="1" noMove="1" noResize="1" noEditPoints="1" noAdjustHandles="1" noChangeArrowheads="1" noChangeShapeType="1" noTextEdit="1"/>
+          </p:cNvSpPr>
+          <p:nvPr>
+            <p:extLst>
+              <p:ext uri="{386F3935-93C4-4BCD-93E2-E3B085C9AB24}">
+                <p16:designElem xmlns:p16="http://schemas.microsoft.com/office/powerpoint/2015/main" val="1"/>
+              </p:ext>
+            </p:extLst>
+          </p:nvPr>
+        </p:nvSpPr>
+        <p:spPr>
+          <a:xfrm>
+            <a:off x="0" y="0"/>
+            <a:ext cx="12191999" cy="6857365"/>
+          </a:xfrm>
+          <a:prstGeom prst="rect">
+            <a:avLst/>
+          </a:prstGeom>
+          <a:ln>
+            <a:noFill/>
+          </a:ln>
+        </p:spPr>
+        <p:style>
+          <a:lnRef idx="2">
+            <a:schemeClr val="accent1">
+              <a:shade val="50000"/>
+            </a:schemeClr>
+          </a:lnRef>
+          <a:fillRef idx="1">
+            <a:schemeClr val="accent1"/>
+          </a:fillRef>
+          <a:effectRef idx="0">
+            <a:schemeClr val="accent1"/>
+          </a:effectRef>
+          <a:fontRef idx="minor">
+            <a:schemeClr val="lt1"/>
+          </a:fontRef>
+        </p:style>
+        <p:txBody>
+          <a:bodyPr rtlCol="0" anchor="ctr"/>
+          <a:lstStyle/>
+          <a:p>
+            <a:pPr algn="ctr"/>
+            <a:endParaRPr lang="en-US"/>
+          </a:p>
+        </p:txBody>
+      </p:sp>
+      <p:grpSp>
+        <p:nvGrpSpPr>
+          <p:cNvPr id="30" name="Group 29">
+            <a:extLst>
+              <a:ext uri="{FF2B5EF4-FFF2-40B4-BE49-F238E27FC236}">
+                <a16:creationId xmlns:a16="http://schemas.microsoft.com/office/drawing/2014/main" id="{83E2E96F-17F7-4C8C-BDF1-6BB90A0C1D7F}"/>
+              </a:ext>
+              <a:ext uri="{C183D7F6-B498-43B3-948B-1728B52AA6E4}">
+                <adec:decorative xmlns:adec="http://schemas.microsoft.com/office/drawing/2017/decorative" val="1"/>
+              </a:ext>
+            </a:extLst>
+          </p:cNvPr>
+          <p:cNvGrpSpPr>
+            <a:grpSpLocks noGrp="1" noUngrp="1" noRot="1" noChangeAspect="1" noMove="1" noResize="1"/>
+          </p:cNvGrpSpPr>
+          <p:nvPr>
+            <p:extLst>
+              <p:ext uri="{386F3935-93C4-4BCD-93E2-E3B085C9AB24}">
+                <p16:designElem xmlns:p16="http://schemas.microsoft.com/office/powerpoint/2015/main" val="1"/>
+              </p:ext>
+            </p:extLst>
+          </p:nvPr>
+        </p:nvGrpSpPr>
+        <p:grpSpPr>
+          <a:xfrm>
+            <a:off x="209667" y="2380868"/>
+            <a:ext cx="11982332" cy="2087795"/>
+            <a:chOff x="143163" y="5763486"/>
+            <a:chExt cx="11982332" cy="739555"/>
+          </a:xfrm>
+        </p:grpSpPr>
+        <p:sp>
+          <p:nvSpPr>
+            <p:cNvPr id="31" name="Rectangle 30">
+              <a:extLst>
+                <a:ext uri="{FF2B5EF4-FFF2-40B4-BE49-F238E27FC236}">
+                  <a16:creationId xmlns:a16="http://schemas.microsoft.com/office/drawing/2014/main" id="{846BD00C-9313-4A22-94F7-3875A46C6D6F}"/>
+                </a:ext>
+                <a:ext uri="{C183D7F6-B498-43B3-948B-1728B52AA6E4}">
+                  <adec:decorative xmlns:adec="http://schemas.microsoft.com/office/drawing/2017/decorative" val="1"/>
+                </a:ext>
+              </a:extLst>
+            </p:cNvPr>
+            <p:cNvSpPr/>
+            <p:nvPr>
+              <p:extLst>
+                <p:ext uri="{386F3935-93C4-4BCD-93E2-E3B085C9AB24}">
+                  <p16:designElem xmlns:p16="http://schemas.microsoft.com/office/powerpoint/2015/main" val="1"/>
+                </p:ext>
+              </p:extLst>
+            </p:nvPr>
+          </p:nvSpPr>
+          <p:spPr>
+            <a:xfrm flipH="1" flipV="1">
+              <a:off x="357444" y="5763486"/>
+              <a:ext cx="11768051" cy="739555"/>
+            </a:xfrm>
+            <a:prstGeom prst="rect">
+              <a:avLst/>
+            </a:prstGeom>
+            <a:solidFill>
+              <a:schemeClr val="accent4"/>
+            </a:solidFill>
+            <a:ln>
+              <a:noFill/>
+            </a:ln>
+          </p:spPr>
+          <p:style>
+            <a:lnRef idx="2">
+              <a:schemeClr val="accent1">
+                <a:shade val="50000"/>
+              </a:schemeClr>
+            </a:lnRef>
+            <a:fillRef idx="1">
+              <a:schemeClr val="accent1"/>
+            </a:fillRef>
+            <a:effectRef idx="0">
+              <a:schemeClr val="accent1"/>
+            </a:effectRef>
+            <a:fontRef idx="minor">
+              <a:schemeClr val="lt1"/>
+            </a:fontRef>
+          </p:style>
+          <p:txBody>
+            <a:bodyPr rtlCol="0" anchor="ctr"/>
+            <a:lstStyle/>
+            <a:p>
+              <a:pPr algn="ctr"/>
+              <a:endParaRPr lang="en-US"/>
+            </a:p>
+          </p:txBody>
+        </p:sp>
+        <p:cxnSp>
+          <p:nvCxnSpPr>
+            <p:cNvPr id="32" name="Straight Connector 31">
+              <a:extLst>
+                <a:ext uri="{FF2B5EF4-FFF2-40B4-BE49-F238E27FC236}">
+                  <a16:creationId xmlns:a16="http://schemas.microsoft.com/office/drawing/2014/main" id="{1EAF30D0-AA67-427C-9938-A2C8A9B5D5D9}"/>
+                </a:ext>
+                <a:ext uri="{C183D7F6-B498-43B3-948B-1728B52AA6E4}">
+                  <adec:decorative xmlns:adec="http://schemas.microsoft.com/office/drawing/2017/decorative" val="1"/>
+                </a:ext>
+              </a:extLst>
+            </p:cNvPr>
+            <p:cNvCxnSpPr>
+              <a:cxnSpLocks/>
+            </p:cNvCxnSpPr>
+            <p:nvPr>
+              <p:extLst>
+                <p:ext uri="{386F3935-93C4-4BCD-93E2-E3B085C9AB24}">
+                  <p16:designElem xmlns:p16="http://schemas.microsoft.com/office/powerpoint/2015/main" val="1"/>
+                </p:ext>
+              </p:extLst>
+            </p:nvPr>
+          </p:nvCxnSpPr>
+          <p:spPr>
+            <a:xfrm flipH="1">
+              <a:off x="143163" y="5763486"/>
+              <a:ext cx="1" cy="739555"/>
+            </a:xfrm>
+            <a:prstGeom prst="line">
+              <a:avLst/>
+            </a:prstGeom>
+            <a:ln w="177800">
+              <a:solidFill>
+                <a:schemeClr val="accent4"/>
+              </a:solidFill>
+            </a:ln>
+          </p:spPr>
+          <p:style>
+            <a:lnRef idx="1">
+              <a:schemeClr val="accent1"/>
+            </a:lnRef>
+            <a:fillRef idx="0">
+              <a:schemeClr val="accent1"/>
+            </a:fillRef>
+            <a:effectRef idx="0">
+              <a:schemeClr val="accent1"/>
+            </a:effectRef>
+            <a:fontRef idx="minor">
+              <a:schemeClr val="tx1"/>
+            </a:fontRef>
+          </p:style>
+        </p:cxnSp>
+      </p:grpSp>
+      <p:sp>
+        <p:nvSpPr>
+          <p:cNvPr id="34" name="Rectangle 33">
+            <a:extLst>
+              <a:ext uri="{FF2B5EF4-FFF2-40B4-BE49-F238E27FC236}">
+                <a16:creationId xmlns:a16="http://schemas.microsoft.com/office/drawing/2014/main" id="{3776B14B-F2F4-4825-8DA8-8C7A0F2B3960}"/>
+              </a:ext>
+              <a:ext uri="{C183D7F6-B498-43B3-948B-1728B52AA6E4}">
+                <adec:decorative xmlns:adec="http://schemas.microsoft.com/office/drawing/2017/decorative" val="1"/>
+              </a:ext>
+            </a:extLst>
+          </p:cNvPr>
+          <p:cNvSpPr>
+            <a:spLocks noGrp="1" noRot="1" noChangeAspect="1" noMove="1" noResize="1" noEditPoints="1" noAdjustHandles="1" noChangeArrowheads="1" noChangeShapeType="1" noTextEdit="1"/>
+          </p:cNvSpPr>
+          <p:nvPr>
+            <p:extLst>
+              <p:ext uri="{386F3935-93C4-4BCD-93E2-E3B085C9AB24}">
+                <p16:designElem xmlns:p16="http://schemas.microsoft.com/office/powerpoint/2015/main" val="1"/>
+              </p:ext>
+            </p:extLst>
+          </p:nvPr>
+        </p:nvSpPr>
+        <p:spPr>
+          <a:xfrm>
+            <a:off x="579528" y="466344"/>
+            <a:ext cx="11111729" cy="5917827"/>
+          </a:xfrm>
+          <a:prstGeom prst="rect">
+            <a:avLst/>
+          </a:prstGeom>
+          <a:solidFill>
+            <a:schemeClr val="bg1"/>
+          </a:solidFill>
+          <a:ln>
+            <a:noFill/>
+          </a:ln>
+          <a:effectLst>
+            <a:outerShdw blurRad="139700" dist="127000" dir="5400000" algn="t" rotWithShape="0">
+              <a:prstClr val="black">
+                <a:alpha val="15000"/>
+              </a:prstClr>
+            </a:outerShdw>
+          </a:effectLst>
+        </p:spPr>
+        <p:style>
+          <a:lnRef idx="2">
+            <a:schemeClr val="accent1">
+              <a:shade val="50000"/>
+            </a:schemeClr>
+          </a:lnRef>
+          <a:fillRef idx="1">
+            <a:schemeClr val="accent1"/>
+          </a:fillRef>
+          <a:effectRef idx="0">
+            <a:schemeClr val="accent1"/>
+          </a:effectRef>
+          <a:fontRef idx="minor">
+            <a:schemeClr val="lt1"/>
+          </a:fontRef>
+        </p:style>
+        <p:txBody>
+          <a:bodyPr rtlCol="0" anchor="ctr"/>
+          <a:lstStyle/>
+          <a:p>
+            <a:pPr algn="ctr"/>
+            <a:endParaRPr lang="en-US"/>
+          </a:p>
+        </p:txBody>
+      </p:sp>
+      <p:sp>
+        <p:nvSpPr>
+          <p:cNvPr id="2" name="Title 1">
+            <a:extLst>
+              <a:ext uri="{FF2B5EF4-FFF2-40B4-BE49-F238E27FC236}">
+                <a16:creationId xmlns:a16="http://schemas.microsoft.com/office/drawing/2014/main" id="{79FEBA8A-7BA7-45B6-B30B-50860A6A4FFB}"/>
+              </a:ext>
+            </a:extLst>
+          </p:cNvPr>
+          <p:cNvSpPr>
+            <a:spLocks noGrp="1"/>
+          </p:cNvSpPr>
+          <p:nvPr>
+            <p:ph type="title"/>
+          </p:nvPr>
+        </p:nvSpPr>
+        <p:spPr/>
+        <p:txBody>
+          <a:bodyPr/>
+          <a:lstStyle/>
+          <a:p>
+            <a:r>
+              <a:rPr lang="es-CR"/>
+              <a:t>Etiquetas</a:t>
+            </a:r>
+            <a:endParaRPr lang="es-CR" dirty="0"/>
+          </a:p>
+        </p:txBody>
+      </p:sp>
+      <p:graphicFrame>
+        <p:nvGraphicFramePr>
+          <p:cNvPr id="23" name="Content Placeholder 2">
+            <a:extLst>
+              <a:ext uri="{FF2B5EF4-FFF2-40B4-BE49-F238E27FC236}">
+                <a16:creationId xmlns:a16="http://schemas.microsoft.com/office/drawing/2014/main" id="{2F34AE47-6A5A-3CEE-9EEC-C62C53F34700}"/>
+              </a:ext>
+            </a:extLst>
+          </p:cNvPr>
+          <p:cNvGraphicFramePr>
+            <a:graphicFrameLocks noGrp="1"/>
+          </p:cNvGraphicFramePr>
+          <p:nvPr>
+            <p:ph idx="1"/>
+            <p:extLst>
+              <p:ext uri="{D42A27DB-BD31-4B8C-83A1-F6EECF244321}">
+                <p14:modId xmlns:p14="http://schemas.microsoft.com/office/powerpoint/2010/main" val="4008704396"/>
+              </p:ext>
+            </p:extLst>
+          </p:nvPr>
+        </p:nvGraphicFramePr>
+        <p:xfrm>
+          <a:off x="838200" y="1825625"/>
+          <a:ext cx="10515600" cy="4351338"/>
+        </p:xfrm>
+        <a:graphic>
+          <a:graphicData uri="http://schemas.openxmlformats.org/drawingml/2006/diagram">
+            <dgm:relIds xmlns:dgm="http://schemas.openxmlformats.org/drawingml/2006/diagram" xmlns:r="http://schemas.openxmlformats.org/officeDocument/2006/relationships" r:dm="rId3" r:lo="rId4" r:qs="rId5" r:cs="rId6"/>
+          </a:graphicData>
+        </a:graphic>
+      </p:graphicFrame>
+    </p:spTree>
+    <p:extLst>
+      <p:ext uri="{BB962C8B-B14F-4D97-AF65-F5344CB8AC3E}">
+        <p14:creationId xmlns:p14="http://schemas.microsoft.com/office/powerpoint/2010/main" val="2814245581"/>
+      </p:ext>
+    </p:extLst>
+  </p:cSld>
+  <p:clrMapOvr>
+    <a:masterClrMapping/>
+  </p:clrMapOvr>
+</p:sld>
+</file>
+
+<file path=ppt/slides/slide6.xml><?xml version="1.0" encoding="utf-8"?>
+<p:sld xmlns:a="http://schemas.openxmlformats.org/drawingml/2006/main" xmlns:r="http://schemas.openxmlformats.org/officeDocument/2006/relationships" xmlns:p="http://schemas.openxmlformats.org/presentationml/2006/main">
+  <p:cSld>
+    <p:bg>
+      <p:bgPr>
+        <a:solidFill>
+          <a:schemeClr val="bg1"/>
+        </a:solidFill>
+        <a:effectLst/>
+      </p:bgPr>
+    </p:bg>
+    <p:spTree>
+      <p:nvGrpSpPr>
+        <p:cNvPr id="1" name=""/>
+        <p:cNvGrpSpPr/>
+        <p:nvPr/>
+      </p:nvGrpSpPr>
+      <p:grpSpPr>
+        <a:xfrm>
+          <a:off x="0" y="0"/>
+          <a:ext cx="0" cy="0"/>
+          <a:chOff x="0" y="0"/>
+          <a:chExt cx="0" cy="0"/>
+        </a:xfrm>
+      </p:grpSpPr>
+      <p:sp useBgFill="1">
+        <p:nvSpPr>
+          <p:cNvPr id="25" name="Rectangle 24">
+            <a:extLst>
+              <a:ext uri="{FF2B5EF4-FFF2-40B4-BE49-F238E27FC236}">
+                <a16:creationId xmlns:a16="http://schemas.microsoft.com/office/drawing/2014/main" id="{DBF61EA3-B236-439E-9C0B-340980D56BEE}"/>
+              </a:ext>
+              <a:ext uri="{C183D7F6-B498-43B3-948B-1728B52AA6E4}">
+                <adec:decorative xmlns:adec="http://schemas.microsoft.com/office/drawing/2017/decorative" val="1"/>
+              </a:ext>
+            </a:extLst>
+          </p:cNvPr>
+          <p:cNvSpPr>
+            <a:spLocks noGrp="1" noRot="1" noChangeAspect="1" noMove="1" noResize="1" noEditPoints="1" noAdjustHandles="1" noChangeArrowheads="1" noChangeShapeType="1" noTextEdit="1"/>
+          </p:cNvSpPr>
+          <p:nvPr>
+            <p:extLst>
+              <p:ext uri="{386F3935-93C4-4BCD-93E2-E3B085C9AB24}">
+                <p16:designElem xmlns:p16="http://schemas.microsoft.com/office/powerpoint/2015/main" val="1"/>
+              </p:ext>
+            </p:extLst>
+          </p:nvPr>
+        </p:nvSpPr>
+        <p:spPr>
+          <a:xfrm>
+            <a:off x="0" y="0"/>
+            <a:ext cx="12191999" cy="6857365"/>
+          </a:xfrm>
+          <a:prstGeom prst="rect">
+            <a:avLst/>
+          </a:prstGeom>
+          <a:ln>
+            <a:noFill/>
+          </a:ln>
+        </p:spPr>
+        <p:style>
+          <a:lnRef idx="2">
+            <a:schemeClr val="accent1">
+              <a:shade val="50000"/>
+            </a:schemeClr>
+          </a:lnRef>
+          <a:fillRef idx="1">
+            <a:schemeClr val="accent1"/>
+          </a:fillRef>
+          <a:effectRef idx="0">
+            <a:schemeClr val="accent1"/>
+          </a:effectRef>
+          <a:fontRef idx="minor">
+            <a:schemeClr val="lt1"/>
+          </a:fontRef>
+        </p:style>
+        <p:txBody>
+          <a:bodyPr rtlCol="0" anchor="ctr"/>
+          <a:lstStyle/>
+          <a:p>
+            <a:pPr algn="ctr"/>
+            <a:endParaRPr lang="en-US"/>
+          </a:p>
+        </p:txBody>
+      </p:sp>
+      <p:sp>
+        <p:nvSpPr>
+          <p:cNvPr id="2" name="Title 1">
+            <a:extLst>
+              <a:ext uri="{FF2B5EF4-FFF2-40B4-BE49-F238E27FC236}">
+                <a16:creationId xmlns:a16="http://schemas.microsoft.com/office/drawing/2014/main" id="{78F4DA9F-35A8-4C0F-851C-CC0EEDE3A186}"/>
+              </a:ext>
+            </a:extLst>
+          </p:cNvPr>
+          <p:cNvSpPr>
+            <a:spLocks noGrp="1"/>
+          </p:cNvSpPr>
+          <p:nvPr>
+            <p:ph type="title"/>
+          </p:nvPr>
+        </p:nvSpPr>
+        <p:spPr>
+          <a:xfrm>
+            <a:off x="808638" y="386930"/>
+            <a:ext cx="9236700" cy="1188950"/>
+          </a:xfrm>
+        </p:spPr>
+        <p:txBody>
+          <a:bodyPr anchor="b">
+            <a:normAutofit/>
+          </a:bodyPr>
+          <a:lstStyle/>
+          <a:p>
+            <a:r>
+              <a:rPr lang="es-CR" sz="5400"/>
+              <a:t>Etiquetas - Input</a:t>
+            </a:r>
+          </a:p>
+        </p:txBody>
+      </p:sp>
+      <p:grpSp>
+        <p:nvGrpSpPr>
+          <p:cNvPr id="27" name="Group 26">
+            <a:extLst>
+              <a:ext uri="{FF2B5EF4-FFF2-40B4-BE49-F238E27FC236}">
+                <a16:creationId xmlns:a16="http://schemas.microsoft.com/office/drawing/2014/main" id="{28FAF094-D087-493F-8DF9-A486C2D6BBAA}"/>
+              </a:ext>
+              <a:ext uri="{C183D7F6-B498-43B3-948B-1728B52AA6E4}">
+                <adec:decorative xmlns:adec="http://schemas.microsoft.com/office/drawing/2017/decorative" val="1"/>
+              </a:ext>
+            </a:extLst>
+          </p:cNvPr>
+          <p:cNvGrpSpPr>
+            <a:grpSpLocks noGrp="1" noUngrp="1" noRot="1" noChangeAspect="1" noMove="1" noResize="1"/>
+          </p:cNvGrpSpPr>
+          <p:nvPr>
+            <p:extLst>
+              <p:ext uri="{386F3935-93C4-4BCD-93E2-E3B085C9AB24}">
+                <p16:designElem xmlns:p16="http://schemas.microsoft.com/office/powerpoint/2015/main" val="1"/>
+              </p:ext>
+            </p:extLst>
+          </p:nvPr>
+        </p:nvGrpSpPr>
+        <p:grpSpPr>
+          <a:xfrm>
+            <a:off x="-2" y="1998368"/>
+            <a:ext cx="11695083" cy="782176"/>
+            <a:chOff x="-2" y="1998368"/>
+            <a:chExt cx="11695083" cy="782176"/>
+          </a:xfrm>
+        </p:grpSpPr>
+        <p:sp>
+          <p:nvSpPr>
+            <p:cNvPr id="28" name="Rectangle 27">
+              <a:extLst>
+                <a:ext uri="{FF2B5EF4-FFF2-40B4-BE49-F238E27FC236}">
+                  <a16:creationId xmlns:a16="http://schemas.microsoft.com/office/drawing/2014/main" id="{8D7C88D8-5509-4514-925A-9CE148E5CBD6}"/>
+                </a:ext>
+                <a:ext uri="{C183D7F6-B498-43B3-948B-1728B52AA6E4}">
+                  <adec:decorative xmlns:adec="http://schemas.microsoft.com/office/drawing/2017/decorative" val="1"/>
+                </a:ext>
+              </a:extLst>
+            </p:cNvPr>
+            <p:cNvSpPr/>
+            <p:nvPr>
+              <p:extLst>
+                <p:ext uri="{386F3935-93C4-4BCD-93E2-E3B085C9AB24}">
+                  <p16:designElem xmlns:p16="http://schemas.microsoft.com/office/powerpoint/2015/main" val="1"/>
+                </p:ext>
+              </p:extLst>
+            </p:nvPr>
+          </p:nvSpPr>
+          <p:spPr>
+            <a:xfrm rot="5400000">
+              <a:off x="11228040" y="2313027"/>
+              <a:ext cx="781700" cy="152382"/>
+            </a:xfrm>
+            <a:prstGeom prst="rect">
+              <a:avLst/>
+            </a:prstGeom>
+            <a:solidFill>
+              <a:schemeClr val="accent4"/>
+            </a:solidFill>
+            <a:ln>
+              <a:noFill/>
+            </a:ln>
+          </p:spPr>
+          <p:style>
+            <a:lnRef idx="2">
+              <a:schemeClr val="accent1">
+                <a:shade val="50000"/>
+              </a:schemeClr>
+            </a:lnRef>
+            <a:fillRef idx="1">
+              <a:schemeClr val="accent1"/>
+            </a:fillRef>
+            <a:effectRef idx="0">
+              <a:schemeClr val="accent1"/>
+            </a:effectRef>
+            <a:fontRef idx="minor">
+              <a:schemeClr val="lt1"/>
+            </a:fontRef>
+          </p:style>
+          <p:txBody>
+            <a:bodyPr rtlCol="0" anchor="ctr"/>
+            <a:lstStyle/>
+            <a:p>
+              <a:pPr algn="ctr"/>
+              <a:endParaRPr lang="en-US"/>
+            </a:p>
+          </p:txBody>
+        </p:sp>
+        <p:sp>
+          <p:nvSpPr>
+            <p:cNvPr id="29" name="Rectangle 28">
+              <a:extLst>
+                <a:ext uri="{FF2B5EF4-FFF2-40B4-BE49-F238E27FC236}">
+                  <a16:creationId xmlns:a16="http://schemas.microsoft.com/office/drawing/2014/main" id="{7275593D-F75E-4426-AE3E-2CDEFD228D25}"/>
+                </a:ext>
+                <a:ext uri="{C183D7F6-B498-43B3-948B-1728B52AA6E4}">
+                  <adec:decorative xmlns:adec="http://schemas.microsoft.com/office/drawing/2017/decorative" val="1"/>
+                </a:ext>
+              </a:extLst>
+            </p:cNvPr>
+            <p:cNvSpPr/>
+            <p:nvPr>
+              <p:extLst>
+                <p:ext uri="{386F3935-93C4-4BCD-93E2-E3B085C9AB24}">
+                  <p16:designElem xmlns:p16="http://schemas.microsoft.com/office/powerpoint/2015/main" val="1"/>
+                </p:ext>
+              </p:extLst>
+            </p:nvPr>
+          </p:nvSpPr>
+          <p:spPr>
+            <a:xfrm flipH="1" flipV="1">
+              <a:off x="-2" y="1998845"/>
+              <a:ext cx="11454595" cy="781699"/>
+            </a:xfrm>
+            <a:prstGeom prst="rect">
+              <a:avLst/>
+            </a:prstGeom>
+            <a:solidFill>
+              <a:schemeClr val="accent4"/>
+            </a:solidFill>
+            <a:ln>
+              <a:noFill/>
+            </a:ln>
+          </p:spPr>
+          <p:style>
+            <a:lnRef idx="2">
+              <a:schemeClr val="accent1">
+                <a:shade val="50000"/>
+              </a:schemeClr>
+            </a:lnRef>
+            <a:fillRef idx="1">
+              <a:schemeClr val="accent1"/>
+            </a:fillRef>
+            <a:effectRef idx="0">
+              <a:schemeClr val="accent1"/>
+            </a:effectRef>
+            <a:fontRef idx="minor">
+              <a:schemeClr val="lt1"/>
+            </a:fontRef>
+          </p:style>
+          <p:txBody>
+            <a:bodyPr rtlCol="0" anchor="ctr"/>
+            <a:lstStyle/>
+            <a:p>
+              <a:pPr algn="ctr"/>
+              <a:endParaRPr lang="en-US"/>
+            </a:p>
+          </p:txBody>
+        </p:sp>
+      </p:grpSp>
+      <p:sp>
+        <p:nvSpPr>
+          <p:cNvPr id="31" name="Rectangle 30">
+            <a:extLst>
+              <a:ext uri="{FF2B5EF4-FFF2-40B4-BE49-F238E27FC236}">
+                <a16:creationId xmlns:a16="http://schemas.microsoft.com/office/drawing/2014/main" id="{E659831F-0D9A-4C63-9EBB-8435B85A440F}"/>
+              </a:ext>
+              <a:ext uri="{C183D7F6-B498-43B3-948B-1728B52AA6E4}">
+                <adec:decorative xmlns:adec="http://schemas.microsoft.com/office/drawing/2017/decorative" val="1"/>
+              </a:ext>
+            </a:extLst>
+          </p:cNvPr>
+          <p:cNvSpPr>
+            <a:spLocks noGrp="1" noRot="1" noChangeAspect="1" noMove="1" noResize="1" noEditPoints="1" noAdjustHandles="1" noChangeArrowheads="1" noChangeShapeType="1" noTextEdit="1"/>
+          </p:cNvSpPr>
+          <p:nvPr>
+            <p:extLst>
+              <p:ext uri="{386F3935-93C4-4BCD-93E2-E3B085C9AB24}">
+                <p16:designElem xmlns:p16="http://schemas.microsoft.com/office/powerpoint/2015/main" val="1"/>
+              </p:ext>
+            </p:extLst>
+          </p:nvPr>
+        </p:nvSpPr>
+        <p:spPr>
+          <a:xfrm>
+            <a:off x="0" y="2203079"/>
+            <a:ext cx="11383362" cy="4147845"/>
+          </a:xfrm>
+          <a:prstGeom prst="rect">
+            <a:avLst/>
+          </a:prstGeom>
+          <a:solidFill>
+            <a:schemeClr val="bg1"/>
+          </a:solidFill>
+          <a:ln>
+            <a:noFill/>
+          </a:ln>
+          <a:effectLst>
+            <a:outerShdw blurRad="139700" dist="127000" dir="5400000" algn="t" rotWithShape="0">
+              <a:prstClr val="black">
+                <a:alpha val="15000"/>
+              </a:prstClr>
+            </a:outerShdw>
+          </a:effectLst>
+        </p:spPr>
+        <p:style>
+          <a:lnRef idx="2">
+            <a:schemeClr val="accent1">
+              <a:shade val="50000"/>
+            </a:schemeClr>
+          </a:lnRef>
+          <a:fillRef idx="1">
+            <a:schemeClr val="accent1"/>
+          </a:fillRef>
+          <a:effectRef idx="0">
+            <a:schemeClr val="accent1"/>
+          </a:effectRef>
+          <a:fontRef idx="minor">
+            <a:schemeClr val="lt1"/>
+          </a:fontRef>
+        </p:style>
+        <p:txBody>
+          <a:bodyPr rtlCol="0" anchor="ctr"/>
+          <a:lstStyle/>
+          <a:p>
+            <a:pPr algn="ctr"/>
+            <a:endParaRPr lang="en-US"/>
+          </a:p>
+        </p:txBody>
+      </p:sp>
+      <p:sp>
+        <p:nvSpPr>
+          <p:cNvPr id="3" name="Content Placeholder 2">
+            <a:extLst>
+              <a:ext uri="{FF2B5EF4-FFF2-40B4-BE49-F238E27FC236}">
+                <a16:creationId xmlns:a16="http://schemas.microsoft.com/office/drawing/2014/main" id="{5CA5BDAD-BC02-4D19-8E6A-2184E0ECA0D6}"/>
+              </a:ext>
+            </a:extLst>
+          </p:cNvPr>
+          <p:cNvSpPr>
+            <a:spLocks noGrp="1"/>
+          </p:cNvSpPr>
+          <p:nvPr>
+            <p:ph idx="1"/>
+          </p:nvPr>
+        </p:nvSpPr>
+        <p:spPr>
+          <a:xfrm>
+            <a:off x="793660" y="2402541"/>
+            <a:ext cx="10143668" cy="3948383"/>
+          </a:xfrm>
+        </p:spPr>
+        <p:txBody>
+          <a:bodyPr numCol="2" anchor="ctr">
+            <a:normAutofit lnSpcReduction="10000"/>
+          </a:bodyPr>
+          <a:lstStyle/>
+          <a:p>
+            <a:pPr marL="0" indent="0" algn="ctr">
+              <a:buNone/>
+            </a:pPr>
+            <a:r>
+              <a:rPr lang="es-CR" sz="1800" dirty="0"/>
+              <a:t>&lt;input </a:t>
+            </a:r>
+            <a:r>
+              <a:rPr lang="es-CR" sz="1800" dirty="0" err="1"/>
+              <a:t>type</a:t>
+            </a:r>
+            <a:r>
+              <a:rPr lang="es-CR" sz="1800" dirty="0"/>
+              <a:t>="</a:t>
+            </a:r>
+            <a:r>
+              <a:rPr lang="es-CR" sz="1800" dirty="0" err="1"/>
+              <a:t>button</a:t>
+            </a:r>
+            <a:r>
+              <a:rPr lang="es-CR" sz="1800" dirty="0"/>
+              <a:t>"&gt;</a:t>
+            </a:r>
+          </a:p>
+          <a:p>
+            <a:pPr marL="0" indent="0" algn="ctr">
+              <a:buNone/>
+            </a:pPr>
+            <a:r>
+              <a:rPr lang="es-CR" sz="1800" dirty="0"/>
+              <a:t>&lt;input </a:t>
+            </a:r>
+            <a:r>
+              <a:rPr lang="es-CR" sz="1800" dirty="0" err="1"/>
+              <a:t>type</a:t>
+            </a:r>
+            <a:r>
+              <a:rPr lang="es-CR" sz="1800" dirty="0"/>
+              <a:t>="</a:t>
+            </a:r>
+            <a:r>
+              <a:rPr lang="es-CR" sz="1800" dirty="0" err="1"/>
+              <a:t>checkbox</a:t>
+            </a:r>
+            <a:r>
+              <a:rPr lang="es-CR" sz="1800" dirty="0"/>
+              <a:t>"&gt;</a:t>
+            </a:r>
+          </a:p>
+          <a:p>
+            <a:pPr marL="0" indent="0" algn="ctr">
+              <a:buNone/>
+            </a:pPr>
+            <a:r>
+              <a:rPr lang="es-CR" sz="1800" dirty="0"/>
+              <a:t>&lt;input </a:t>
+            </a:r>
+            <a:r>
+              <a:rPr lang="es-CR" sz="1800" dirty="0" err="1"/>
+              <a:t>type</a:t>
+            </a:r>
+            <a:r>
+              <a:rPr lang="es-CR" sz="1800" dirty="0"/>
+              <a:t>="color"&gt;</a:t>
+            </a:r>
+          </a:p>
+          <a:p>
+            <a:pPr marL="0" indent="0" algn="ctr">
+              <a:buNone/>
+            </a:pPr>
+            <a:r>
+              <a:rPr lang="es-CR" sz="1800" dirty="0"/>
+              <a:t>&lt;input </a:t>
+            </a:r>
+            <a:r>
+              <a:rPr lang="es-CR" sz="1800" dirty="0" err="1"/>
+              <a:t>type</a:t>
+            </a:r>
+            <a:r>
+              <a:rPr lang="es-CR" sz="1800" dirty="0"/>
+              <a:t>="date"&gt;</a:t>
+            </a:r>
+          </a:p>
+          <a:p>
+            <a:pPr marL="0" indent="0" algn="ctr">
+              <a:buNone/>
+            </a:pPr>
+            <a:r>
+              <a:rPr lang="es-CR" sz="1800" dirty="0"/>
+              <a:t>&lt;input </a:t>
+            </a:r>
+            <a:r>
+              <a:rPr lang="es-CR" sz="1800" dirty="0" err="1"/>
+              <a:t>type</a:t>
+            </a:r>
+            <a:r>
+              <a:rPr lang="es-CR" sz="1800" dirty="0"/>
+              <a:t>="</a:t>
+            </a:r>
+            <a:r>
+              <a:rPr lang="es-CR" sz="1800" dirty="0" err="1"/>
+              <a:t>datetime</a:t>
+            </a:r>
+            <a:r>
+              <a:rPr lang="es-CR" sz="1800" dirty="0"/>
+              <a:t>-local"&gt;</a:t>
+            </a:r>
+          </a:p>
+          <a:p>
+            <a:pPr marL="0" indent="0" algn="ctr">
+              <a:buNone/>
+            </a:pPr>
+            <a:r>
+              <a:rPr lang="es-CR" sz="1800" dirty="0"/>
+              <a:t>&lt;input </a:t>
+            </a:r>
+            <a:r>
+              <a:rPr lang="es-CR" sz="1800" dirty="0" err="1"/>
+              <a:t>type</a:t>
+            </a:r>
+            <a:r>
+              <a:rPr lang="es-CR" sz="1800" dirty="0"/>
+              <a:t>="email"&gt;</a:t>
+            </a:r>
+          </a:p>
+          <a:p>
+            <a:pPr marL="0" indent="0" algn="ctr">
+              <a:buNone/>
+            </a:pPr>
+            <a:r>
+              <a:rPr lang="es-CR" sz="1800" dirty="0"/>
+              <a:t>&lt;input </a:t>
+            </a:r>
+            <a:r>
+              <a:rPr lang="es-CR" sz="1800" dirty="0" err="1"/>
+              <a:t>type</a:t>
+            </a:r>
+            <a:r>
+              <a:rPr lang="es-CR" sz="1800" dirty="0"/>
+              <a:t>="file"&gt;</a:t>
+            </a:r>
+          </a:p>
+          <a:p>
+            <a:pPr marL="0" indent="0" algn="ctr">
+              <a:buNone/>
+            </a:pPr>
+            <a:r>
+              <a:rPr lang="es-CR" sz="1800" dirty="0"/>
+              <a:t>&lt;input </a:t>
+            </a:r>
+            <a:r>
+              <a:rPr lang="es-CR" sz="1800" dirty="0" err="1"/>
+              <a:t>type</a:t>
+            </a:r>
+            <a:r>
+              <a:rPr lang="es-CR" sz="1800" dirty="0"/>
+              <a:t>="</a:t>
+            </a:r>
+            <a:r>
+              <a:rPr lang="es-CR" sz="1800" dirty="0" err="1"/>
+              <a:t>hidden</a:t>
+            </a:r>
+            <a:r>
+              <a:rPr lang="es-CR" sz="1800" dirty="0"/>
+              <a:t>"&gt;</a:t>
+            </a:r>
+          </a:p>
+          <a:p>
+            <a:pPr marL="0" indent="0" algn="ctr">
+              <a:buNone/>
+            </a:pPr>
+            <a:r>
+              <a:rPr lang="es-CR" sz="1800" dirty="0"/>
+              <a:t>&lt;input </a:t>
+            </a:r>
+            <a:r>
+              <a:rPr lang="es-CR" sz="1800" dirty="0" err="1"/>
+              <a:t>type</a:t>
+            </a:r>
+            <a:r>
+              <a:rPr lang="es-CR" sz="1800" dirty="0"/>
+              <a:t>="</a:t>
+            </a:r>
+            <a:r>
+              <a:rPr lang="es-CR" sz="1800" dirty="0" err="1"/>
+              <a:t>image</a:t>
+            </a:r>
+            <a:r>
+              <a:rPr lang="es-CR" sz="1800" dirty="0"/>
+              <a:t>"&gt;</a:t>
+            </a:r>
+          </a:p>
+          <a:p>
+            <a:pPr marL="0" indent="0" algn="ctr">
+              <a:buNone/>
+            </a:pPr>
+            <a:r>
+              <a:rPr lang="es-CR" sz="1800" dirty="0"/>
+              <a:t>&lt;input </a:t>
+            </a:r>
+            <a:r>
+              <a:rPr lang="es-CR" sz="1800" dirty="0" err="1"/>
+              <a:t>type</a:t>
+            </a:r>
+            <a:r>
+              <a:rPr lang="es-CR" sz="1800" dirty="0"/>
+              <a:t>="</a:t>
+            </a:r>
+            <a:r>
+              <a:rPr lang="es-CR" sz="1800" dirty="0" err="1"/>
+              <a:t>month</a:t>
+            </a:r>
+            <a:r>
+              <a:rPr lang="es-CR" sz="1800" dirty="0"/>
+              <a:t>"&gt;</a:t>
+            </a:r>
+          </a:p>
+          <a:p>
+            <a:pPr marL="0" indent="0" algn="ctr">
+              <a:buNone/>
+            </a:pPr>
+            <a:r>
+              <a:rPr lang="es-CR" sz="1800" dirty="0"/>
+              <a:t>&lt;input </a:t>
+            </a:r>
+            <a:r>
+              <a:rPr lang="es-CR" sz="1800" dirty="0" err="1"/>
+              <a:t>type</a:t>
+            </a:r>
+            <a:r>
+              <a:rPr lang="es-CR" sz="1800" dirty="0"/>
+              <a:t>="</a:t>
+            </a:r>
+            <a:r>
+              <a:rPr lang="es-CR" sz="1800" dirty="0" err="1"/>
+              <a:t>number</a:t>
+            </a:r>
+            <a:r>
+              <a:rPr lang="es-CR" sz="1800" dirty="0"/>
+              <a:t>"&gt;</a:t>
+            </a:r>
+          </a:p>
+          <a:p>
+            <a:pPr marL="0" indent="0" algn="ctr">
+              <a:buNone/>
+            </a:pPr>
+            <a:r>
+              <a:rPr lang="es-CR" sz="1800" dirty="0"/>
+              <a:t>&lt;input </a:t>
+            </a:r>
+            <a:r>
+              <a:rPr lang="es-CR" sz="1800" dirty="0" err="1"/>
+              <a:t>type</a:t>
+            </a:r>
+            <a:r>
+              <a:rPr lang="es-CR" sz="1800" dirty="0"/>
+              <a:t>="</a:t>
+            </a:r>
+            <a:r>
+              <a:rPr lang="es-CR" sz="1800" dirty="0" err="1"/>
+              <a:t>password</a:t>
+            </a:r>
+            <a:r>
+              <a:rPr lang="es-CR" sz="1800" dirty="0"/>
+              <a:t>"&gt;</a:t>
+            </a:r>
+          </a:p>
+          <a:p>
+            <a:pPr marL="0" indent="0" algn="ctr">
+              <a:buNone/>
+            </a:pPr>
+            <a:r>
+              <a:rPr lang="es-CR" sz="1800" dirty="0"/>
+              <a:t>&lt;input </a:t>
+            </a:r>
+            <a:r>
+              <a:rPr lang="es-CR" sz="1800" dirty="0" err="1"/>
+              <a:t>type</a:t>
+            </a:r>
+            <a:r>
+              <a:rPr lang="es-CR" sz="1800" dirty="0"/>
+              <a:t>="radio"&gt;</a:t>
+            </a:r>
+          </a:p>
+          <a:p>
+            <a:pPr marL="0" indent="0" algn="ctr">
+              <a:buNone/>
+            </a:pPr>
+            <a:r>
+              <a:rPr lang="es-CR" sz="1800" dirty="0"/>
+              <a:t>&lt;input </a:t>
+            </a:r>
+            <a:r>
+              <a:rPr lang="es-CR" sz="1800" dirty="0" err="1"/>
+              <a:t>type</a:t>
+            </a:r>
+            <a:r>
+              <a:rPr lang="es-CR" sz="1800" dirty="0"/>
+              <a:t>="</a:t>
+            </a:r>
+            <a:r>
+              <a:rPr lang="es-CR" sz="1800" dirty="0" err="1"/>
+              <a:t>range</a:t>
+            </a:r>
+            <a:r>
+              <a:rPr lang="es-CR" sz="1800" dirty="0"/>
+              <a:t>"&gt;</a:t>
+            </a:r>
+          </a:p>
+          <a:p>
+            <a:pPr marL="0" indent="0" algn="ctr">
+              <a:buNone/>
+            </a:pPr>
+            <a:r>
+              <a:rPr lang="es-CR" sz="1800" dirty="0"/>
+              <a:t>&lt;input </a:t>
+            </a:r>
+            <a:r>
+              <a:rPr lang="es-CR" sz="1800" dirty="0" err="1"/>
+              <a:t>type</a:t>
+            </a:r>
+            <a:r>
+              <a:rPr lang="es-CR" sz="1800" dirty="0"/>
+              <a:t>="</a:t>
+            </a:r>
+            <a:r>
+              <a:rPr lang="es-CR" sz="1800" dirty="0" err="1"/>
+              <a:t>reset</a:t>
+            </a:r>
+            <a:r>
+              <a:rPr lang="es-CR" sz="1800" dirty="0"/>
+              <a:t>"&gt;</a:t>
+            </a:r>
+          </a:p>
+          <a:p>
+            <a:pPr marL="0" indent="0" algn="ctr">
+              <a:buNone/>
+            </a:pPr>
+            <a:r>
+              <a:rPr lang="es-CR" sz="1800" dirty="0"/>
+              <a:t>&lt;input </a:t>
+            </a:r>
+            <a:r>
+              <a:rPr lang="es-CR" sz="1800" dirty="0" err="1"/>
+              <a:t>type</a:t>
+            </a:r>
+            <a:r>
+              <a:rPr lang="es-CR" sz="1800" dirty="0"/>
+              <a:t>="</a:t>
+            </a:r>
+            <a:r>
+              <a:rPr lang="es-CR" sz="1800" dirty="0" err="1"/>
+              <a:t>search</a:t>
+            </a:r>
+            <a:r>
+              <a:rPr lang="es-CR" sz="1800" dirty="0"/>
+              <a:t>"&gt;</a:t>
+            </a:r>
+          </a:p>
+          <a:p>
+            <a:pPr marL="0" indent="0" algn="ctr">
+              <a:buNone/>
+            </a:pPr>
+            <a:r>
+              <a:rPr lang="es-CR" sz="1800" dirty="0"/>
+              <a:t>&lt;input </a:t>
+            </a:r>
+            <a:r>
+              <a:rPr lang="es-CR" sz="1800" dirty="0" err="1"/>
+              <a:t>type</a:t>
+            </a:r>
+            <a:r>
+              <a:rPr lang="es-CR" sz="1800" dirty="0"/>
+              <a:t>="</a:t>
+            </a:r>
+            <a:r>
+              <a:rPr lang="es-CR" sz="1800" dirty="0" err="1"/>
+              <a:t>submit</a:t>
+            </a:r>
+            <a:r>
+              <a:rPr lang="es-CR" sz="1800" dirty="0"/>
+              <a:t>"&gt;</a:t>
+            </a:r>
+          </a:p>
+          <a:p>
+            <a:pPr marL="0" indent="0" algn="ctr">
+              <a:buNone/>
+            </a:pPr>
+            <a:r>
+              <a:rPr lang="es-CR" sz="1800" dirty="0"/>
+              <a:t>&lt;input </a:t>
+            </a:r>
+            <a:r>
+              <a:rPr lang="es-CR" sz="1800" dirty="0" err="1"/>
+              <a:t>type</a:t>
+            </a:r>
+            <a:r>
+              <a:rPr lang="es-CR" sz="1800" dirty="0"/>
+              <a:t>="</a:t>
+            </a:r>
+            <a:r>
+              <a:rPr lang="es-CR" sz="1800" dirty="0" err="1"/>
+              <a:t>tel</a:t>
+            </a:r>
+            <a:r>
+              <a:rPr lang="es-CR" sz="1800" dirty="0"/>
+              <a:t>"&gt;</a:t>
+            </a:r>
+          </a:p>
+          <a:p>
+            <a:pPr marL="0" indent="0" algn="ctr">
+              <a:buNone/>
+            </a:pPr>
+            <a:r>
+              <a:rPr lang="es-CR" sz="1800" dirty="0"/>
+              <a:t>&lt;input </a:t>
+            </a:r>
+            <a:r>
+              <a:rPr lang="es-CR" sz="1800" dirty="0" err="1"/>
+              <a:t>type</a:t>
+            </a:r>
+            <a:r>
+              <a:rPr lang="es-CR" sz="1800" dirty="0"/>
+              <a:t>="</a:t>
+            </a:r>
+            <a:r>
+              <a:rPr lang="es-CR" sz="1800" dirty="0" err="1"/>
+              <a:t>text</a:t>
+            </a:r>
+            <a:r>
+              <a:rPr lang="es-CR" sz="1800" dirty="0"/>
+              <a:t>"&gt;</a:t>
+            </a:r>
+          </a:p>
+          <a:p>
+            <a:pPr marL="0" indent="0" algn="ctr">
+              <a:buNone/>
+            </a:pPr>
+            <a:r>
+              <a:rPr lang="es-CR" sz="1800" dirty="0"/>
+              <a:t>&lt;input </a:t>
+            </a:r>
+            <a:r>
+              <a:rPr lang="es-CR" sz="1800" dirty="0" err="1"/>
+              <a:t>type</a:t>
+            </a:r>
+            <a:r>
+              <a:rPr lang="es-CR" sz="1800" dirty="0"/>
+              <a:t>="time"&gt;</a:t>
+            </a:r>
+          </a:p>
+          <a:p>
+            <a:pPr marL="0" indent="0" algn="ctr">
+              <a:buNone/>
+            </a:pPr>
+            <a:r>
+              <a:rPr lang="es-CR" sz="1800" dirty="0"/>
+              <a:t>&lt;input </a:t>
+            </a:r>
+            <a:r>
+              <a:rPr lang="es-CR" sz="1800" dirty="0" err="1"/>
+              <a:t>type</a:t>
+            </a:r>
+            <a:r>
+              <a:rPr lang="es-CR" sz="1800" dirty="0"/>
+              <a:t>="</a:t>
+            </a:r>
+            <a:r>
+              <a:rPr lang="es-CR" sz="1800" dirty="0" err="1"/>
+              <a:t>url</a:t>
+            </a:r>
+            <a:r>
+              <a:rPr lang="es-CR" sz="1800" dirty="0"/>
+              <a:t>"&gt;</a:t>
+            </a:r>
+          </a:p>
+          <a:p>
+            <a:pPr marL="0" indent="0" algn="ctr">
+              <a:buNone/>
+            </a:pPr>
+            <a:r>
+              <a:rPr lang="es-CR" sz="1800" dirty="0"/>
+              <a:t>&lt;input </a:t>
+            </a:r>
+            <a:r>
+              <a:rPr lang="es-CR" sz="1800" dirty="0" err="1"/>
+              <a:t>type</a:t>
+            </a:r>
+            <a:r>
+              <a:rPr lang="es-CR" sz="1800" dirty="0"/>
+              <a:t>="</a:t>
+            </a:r>
+            <a:r>
+              <a:rPr lang="es-CR" sz="1800" dirty="0" err="1"/>
+              <a:t>week</a:t>
+            </a:r>
+            <a:r>
+              <a:rPr lang="es-CR" sz="1800" dirty="0"/>
+              <a:t>"&gt;</a:t>
+            </a:r>
+          </a:p>
+        </p:txBody>
+      </p:sp>
+    </p:spTree>
+    <p:extLst>
+      <p:ext uri="{BB962C8B-B14F-4D97-AF65-F5344CB8AC3E}">
+        <p14:creationId xmlns:p14="http://schemas.microsoft.com/office/powerpoint/2010/main" val="3593380345"/>
       </p:ext>
     </p:extLst>
   </p:cSld>

--- a/files/2. HTML.pptx
+++ b/files/2. HTML.pptx
@@ -139,7 +139,7 @@
   <pc:docChgLst>
     <pc:chgData name="Charris Bueno, Angela" userId="b8232014-281c-4726-a39a-713153e80496" providerId="ADAL" clId="{5232C866-B249-4232-8810-45254E2C8385}"/>
     <pc:docChg chg="undo custSel addSld delSld modSld sldOrd">
-      <pc:chgData name="Charris Bueno, Angela" userId="b8232014-281c-4726-a39a-713153e80496" providerId="ADAL" clId="{5232C866-B249-4232-8810-45254E2C8385}" dt="2022-07-22T16:25:50.101" v="1532" actId="478"/>
+      <pc:chgData name="Charris Bueno, Angela" userId="b8232014-281c-4726-a39a-713153e80496" providerId="ADAL" clId="{5232C866-B249-4232-8810-45254E2C8385}" dt="2022-07-29T17:15:12.055" v="1534"/>
       <pc:docMkLst>
         <pc:docMk/>
       </pc:docMkLst>
@@ -1572,7 +1572,7 @@
         </pc:picChg>
       </pc:sldChg>
       <pc:sldChg chg="addSp delSp modSp add mod modNotesTx">
-        <pc:chgData name="Charris Bueno, Angela" userId="b8232014-281c-4726-a39a-713153e80496" providerId="ADAL" clId="{5232C866-B249-4232-8810-45254E2C8385}" dt="2022-07-11T20:57:45.988" v="1392"/>
+        <pc:chgData name="Charris Bueno, Angela" userId="b8232014-281c-4726-a39a-713153e80496" providerId="ADAL" clId="{5232C866-B249-4232-8810-45254E2C8385}" dt="2022-07-29T17:15:12.055" v="1534"/>
         <pc:sldMkLst>
           <pc:docMk/>
           <pc:sldMk cId="1626484344" sldId="267"/>
@@ -6062,7 +6062,7 @@
           <a:p>
             <a:fld id="{5C8DC9DF-1790-4E9B-9BE8-C7D05604764B}" type="datetimeFigureOut">
               <a:rPr lang="es-CR" smtClean="0"/>
-              <a:t>22/7/2022</a:t>
+              <a:t>29/7/2022</a:t>
             </a:fld>
             <a:endParaRPr lang="es-CR"/>
           </a:p>
@@ -6806,6 +6806,12 @@
               <a:t>https://www.w3schools.com/html/html_css.asp</a:t>
             </a:r>
           </a:p>
+          <a:p>
+            <a:r>
+              <a:rPr lang="es-CR" dirty="0"/>
+              <a:t>https://www.w3schools.com/html/exercise.asp</a:t>
+            </a:r>
+          </a:p>
         </p:txBody>
       </p:sp>
       <p:sp>
@@ -6993,7 +6999,7 @@
           <a:p>
             <a:fld id="{D8C3F0C4-B6DD-466E-9681-8EE012409971}" type="datetimeFigureOut">
               <a:rPr lang="es-CR" smtClean="0"/>
-              <a:t>22/7/2022</a:t>
+              <a:t>29/7/2022</a:t>
             </a:fld>
             <a:endParaRPr lang="es-CR"/>
           </a:p>
@@ -7193,7 +7199,7 @@
           <a:p>
             <a:fld id="{D8C3F0C4-B6DD-466E-9681-8EE012409971}" type="datetimeFigureOut">
               <a:rPr lang="es-CR" smtClean="0"/>
-              <a:t>22/7/2022</a:t>
+              <a:t>29/7/2022</a:t>
             </a:fld>
             <a:endParaRPr lang="es-CR"/>
           </a:p>
@@ -7403,7 +7409,7 @@
           <a:p>
             <a:fld id="{D8C3F0C4-B6DD-466E-9681-8EE012409971}" type="datetimeFigureOut">
               <a:rPr lang="es-CR" smtClean="0"/>
-              <a:t>22/7/2022</a:t>
+              <a:t>29/7/2022</a:t>
             </a:fld>
             <a:endParaRPr lang="es-CR"/>
           </a:p>
@@ -7603,7 +7609,7 @@
           <a:p>
             <a:fld id="{D8C3F0C4-B6DD-466E-9681-8EE012409971}" type="datetimeFigureOut">
               <a:rPr lang="es-CR" smtClean="0"/>
-              <a:t>22/7/2022</a:t>
+              <a:t>29/7/2022</a:t>
             </a:fld>
             <a:endParaRPr lang="es-CR"/>
           </a:p>
@@ -7879,7 +7885,7 @@
           <a:p>
             <a:fld id="{D8C3F0C4-B6DD-466E-9681-8EE012409971}" type="datetimeFigureOut">
               <a:rPr lang="es-CR" smtClean="0"/>
-              <a:t>22/7/2022</a:t>
+              <a:t>29/7/2022</a:t>
             </a:fld>
             <a:endParaRPr lang="es-CR"/>
           </a:p>
@@ -8147,7 +8153,7 @@
           <a:p>
             <a:fld id="{D8C3F0C4-B6DD-466E-9681-8EE012409971}" type="datetimeFigureOut">
               <a:rPr lang="es-CR" smtClean="0"/>
-              <a:t>22/7/2022</a:t>
+              <a:t>29/7/2022</a:t>
             </a:fld>
             <a:endParaRPr lang="es-CR"/>
           </a:p>
@@ -8562,7 +8568,7 @@
           <a:p>
             <a:fld id="{D8C3F0C4-B6DD-466E-9681-8EE012409971}" type="datetimeFigureOut">
               <a:rPr lang="es-CR" smtClean="0"/>
-              <a:t>22/7/2022</a:t>
+              <a:t>29/7/2022</a:t>
             </a:fld>
             <a:endParaRPr lang="es-CR"/>
           </a:p>
@@ -8704,7 +8710,7 @@
           <a:p>
             <a:fld id="{D8C3F0C4-B6DD-466E-9681-8EE012409971}" type="datetimeFigureOut">
               <a:rPr lang="es-CR" smtClean="0"/>
-              <a:t>22/7/2022</a:t>
+              <a:t>29/7/2022</a:t>
             </a:fld>
             <a:endParaRPr lang="es-CR"/>
           </a:p>
@@ -8817,7 +8823,7 @@
           <a:p>
             <a:fld id="{D8C3F0C4-B6DD-466E-9681-8EE012409971}" type="datetimeFigureOut">
               <a:rPr lang="es-CR" smtClean="0"/>
-              <a:t>22/7/2022</a:t>
+              <a:t>29/7/2022</a:t>
             </a:fld>
             <a:endParaRPr lang="es-CR"/>
           </a:p>
@@ -9130,7 +9136,7 @@
           <a:p>
             <a:fld id="{D8C3F0C4-B6DD-466E-9681-8EE012409971}" type="datetimeFigureOut">
               <a:rPr lang="es-CR" smtClean="0"/>
-              <a:t>22/7/2022</a:t>
+              <a:t>29/7/2022</a:t>
             </a:fld>
             <a:endParaRPr lang="es-CR"/>
           </a:p>
@@ -9419,7 +9425,7 @@
           <a:p>
             <a:fld id="{D8C3F0C4-B6DD-466E-9681-8EE012409971}" type="datetimeFigureOut">
               <a:rPr lang="es-CR" smtClean="0"/>
-              <a:t>22/7/2022</a:t>
+              <a:t>29/7/2022</a:t>
             </a:fld>
             <a:endParaRPr lang="es-CR"/>
           </a:p>
@@ -9662,7 +9668,7 @@
           <a:p>
             <a:fld id="{D8C3F0C4-B6DD-466E-9681-8EE012409971}" type="datetimeFigureOut">
               <a:rPr lang="es-CR" smtClean="0"/>
-              <a:t>22/7/2022</a:t>
+              <a:t>29/7/2022</a:t>
             </a:fld>
             <a:endParaRPr lang="es-CR"/>
           </a:p>
